--- a/Presentations/GenerativeAdversarialNetwork.pptx
+++ b/Presentations/GenerativeAdversarialNetwork.pptx
@@ -5,12 +5,27 @@
     <p:sldMasterId id="2147483648" r:id="rId1"/>
   </p:sldMasterIdLst>
   <p:notesMasterIdLst>
-    <p:notesMasterId r:id="rId5"/>
+    <p:notesMasterId r:id="rId20"/>
   </p:notesMasterIdLst>
   <p:sldIdLst>
     <p:sldId id="256" r:id="rId2"/>
     <p:sldId id="268" r:id="rId3"/>
-    <p:sldId id="269" r:id="rId4"/>
+    <p:sldId id="270" r:id="rId4"/>
+    <p:sldId id="271" r:id="rId5"/>
+    <p:sldId id="272" r:id="rId6"/>
+    <p:sldId id="273" r:id="rId7"/>
+    <p:sldId id="274" r:id="rId8"/>
+    <p:sldId id="275" r:id="rId9"/>
+    <p:sldId id="276" r:id="rId10"/>
+    <p:sldId id="277" r:id="rId11"/>
+    <p:sldId id="278" r:id="rId12"/>
+    <p:sldId id="279" r:id="rId13"/>
+    <p:sldId id="280" r:id="rId14"/>
+    <p:sldId id="281" r:id="rId15"/>
+    <p:sldId id="282" r:id="rId16"/>
+    <p:sldId id="283" r:id="rId17"/>
+    <p:sldId id="284" r:id="rId18"/>
+    <p:sldId id="269" r:id="rId19"/>
   </p:sldIdLst>
   <p:sldSz cx="9144000" cy="6858000" type="screen4x3"/>
   <p:notesSz cx="6858000" cy="9144000"/>
@@ -111,7 +126,7 @@
   </p:defaultTextStyle>
   <p:extLst>
     <p:ext uri="{EFAFB233-063F-42B5-8137-9DF3F51BA10A}">
-      <p15:sldGuideLst xmlns:p15="http://schemas.microsoft.com/office/powerpoint/2012/main">
+      <p15:sldGuideLst xmlns:p15="http://schemas.microsoft.com/office/powerpoint/2012/main" xmlns="">
         <p15:guide id="1" orient="horz" pos="2160">
           <p15:clr>
             <a:srgbClr val="A4A3A4"/>
@@ -211,7 +226,7 @@
             <a:fld id="{98BFDCCA-FFB9-49F6-B56E-F6432283D67C}" type="datetimeFigureOut">
               <a:rPr lang="en-US" smtClean="0"/>
               <a:pPr/>
-              <a:t>12/16/2022</a:t>
+              <a:t>3/21/2024</a:t>
             </a:fld>
             <a:endParaRPr lang="en-US"/>
           </a:p>
@@ -656,7 +671,7 @@
             <a:fld id="{9099FEDA-6AC3-495C-A467-2B0399D71BB7}" type="datetimeFigureOut">
               <a:rPr lang="en-US" smtClean="0"/>
               <a:pPr/>
-              <a:t>12/16/2022</a:t>
+              <a:t>3/21/2024</a:t>
             </a:fld>
             <a:endParaRPr lang="en-US"/>
           </a:p>
@@ -821,7 +836,7 @@
             <a:fld id="{9099FEDA-6AC3-495C-A467-2B0399D71BB7}" type="datetimeFigureOut">
               <a:rPr lang="en-US" smtClean="0"/>
               <a:pPr/>
-              <a:t>12/16/2022</a:t>
+              <a:t>3/21/2024</a:t>
             </a:fld>
             <a:endParaRPr lang="en-US"/>
           </a:p>
@@ -996,7 +1011,7 @@
             <a:fld id="{9099FEDA-6AC3-495C-A467-2B0399D71BB7}" type="datetimeFigureOut">
               <a:rPr lang="en-US" smtClean="0"/>
               <a:pPr/>
-              <a:t>12/16/2022</a:t>
+              <a:t>3/21/2024</a:t>
             </a:fld>
             <a:endParaRPr lang="en-US"/>
           </a:p>
@@ -1161,7 +1176,7 @@
             <a:fld id="{9099FEDA-6AC3-495C-A467-2B0399D71BB7}" type="datetimeFigureOut">
               <a:rPr lang="en-US" smtClean="0"/>
               <a:pPr/>
-              <a:t>12/16/2022</a:t>
+              <a:t>3/21/2024</a:t>
             </a:fld>
             <a:endParaRPr lang="en-US"/>
           </a:p>
@@ -1403,7 +1418,7 @@
             <a:fld id="{9099FEDA-6AC3-495C-A467-2B0399D71BB7}" type="datetimeFigureOut">
               <a:rPr lang="en-US" smtClean="0"/>
               <a:pPr/>
-              <a:t>12/16/2022</a:t>
+              <a:t>3/21/2024</a:t>
             </a:fld>
             <a:endParaRPr lang="en-US"/>
           </a:p>
@@ -1685,7 +1700,7 @@
             <a:fld id="{9099FEDA-6AC3-495C-A467-2B0399D71BB7}" type="datetimeFigureOut">
               <a:rPr lang="en-US" smtClean="0"/>
               <a:pPr/>
-              <a:t>12/16/2022</a:t>
+              <a:t>3/21/2024</a:t>
             </a:fld>
             <a:endParaRPr lang="en-US"/>
           </a:p>
@@ -2101,7 +2116,7 @@
             <a:fld id="{9099FEDA-6AC3-495C-A467-2B0399D71BB7}" type="datetimeFigureOut">
               <a:rPr lang="en-US" smtClean="0"/>
               <a:pPr/>
-              <a:t>12/16/2022</a:t>
+              <a:t>3/21/2024</a:t>
             </a:fld>
             <a:endParaRPr lang="en-US"/>
           </a:p>
@@ -2215,7 +2230,7 @@
             <a:fld id="{9099FEDA-6AC3-495C-A467-2B0399D71BB7}" type="datetimeFigureOut">
               <a:rPr lang="en-US" smtClean="0"/>
               <a:pPr/>
-              <a:t>12/16/2022</a:t>
+              <a:t>3/21/2024</a:t>
             </a:fld>
             <a:endParaRPr lang="en-US"/>
           </a:p>
@@ -2307,7 +2322,7 @@
             <a:fld id="{9099FEDA-6AC3-495C-A467-2B0399D71BB7}" type="datetimeFigureOut">
               <a:rPr lang="en-US" smtClean="0"/>
               <a:pPr/>
-              <a:t>12/16/2022</a:t>
+              <a:t>3/21/2024</a:t>
             </a:fld>
             <a:endParaRPr lang="en-US"/>
           </a:p>
@@ -2579,7 +2594,7 @@
             <a:fld id="{9099FEDA-6AC3-495C-A467-2B0399D71BB7}" type="datetimeFigureOut">
               <a:rPr lang="en-US" smtClean="0"/>
               <a:pPr/>
-              <a:t>12/16/2022</a:t>
+              <a:t>3/21/2024</a:t>
             </a:fld>
             <a:endParaRPr lang="en-US"/>
           </a:p>
@@ -2828,7 +2843,7 @@
             <a:fld id="{9099FEDA-6AC3-495C-A467-2B0399D71BB7}" type="datetimeFigureOut">
               <a:rPr lang="en-US" smtClean="0"/>
               <a:pPr/>
-              <a:t>12/16/2022</a:t>
+              <a:t>3/21/2024</a:t>
             </a:fld>
             <a:endParaRPr lang="en-US"/>
           </a:p>
@@ -3036,7 +3051,7 @@
             <a:fld id="{9099FEDA-6AC3-495C-A467-2B0399D71BB7}" type="datetimeFigureOut">
               <a:rPr lang="en-US" smtClean="0"/>
               <a:pPr/>
-              <a:t>12/16/2022</a:t>
+              <a:t>3/21/2024</a:t>
             </a:fld>
             <a:endParaRPr lang="en-US"/>
           </a:p>
@@ -3423,8 +3438,12 @@
           <a:lstStyle/>
           <a:p>
             <a:r>
-              <a:rPr lang="en-US"/>
-              <a:t>Generative Adversarial Network</a:t>
+              <a:rPr lang="en-US" dirty="0"/>
+              <a:t>Generative Adversarial </a:t>
+            </a:r>
+            <a:r>
+              <a:rPr lang="en-US" dirty="0" smtClean="0"/>
+              <a:t>Networks</a:t>
             </a:r>
             <a:endParaRPr lang="en-US" dirty="0"/>
           </a:p>
@@ -3447,19 +3466,32 @@
           </a:xfrm>
         </p:spPr>
         <p:txBody>
-          <a:bodyPr/>
-          <a:lstStyle/>
-          <a:p>
-            <a:r>
-              <a:rPr lang="en-US" dirty="0"/>
-              <a:t>Computer Division</a:t>
-            </a:r>
-          </a:p>
-          <a:p>
-            <a:r>
-              <a:rPr lang="en-US" dirty="0"/>
-              <a:t>Bhabha Atomic Research Centre</a:t>
-            </a:r>
+          <a:bodyPr>
+            <a:normAutofit fontScale="92500"/>
+          </a:bodyPr>
+          <a:lstStyle/>
+          <a:p>
+            <a:r>
+              <a:rPr lang="en-US" dirty="0" smtClean="0"/>
+              <a:t>Pritam Prakash Shete</a:t>
+            </a:r>
+          </a:p>
+          <a:p>
+            <a:r>
+              <a:rPr lang="en-US" dirty="0" smtClean="0"/>
+              <a:t>Computer Division, BARC </a:t>
+            </a:r>
+          </a:p>
+          <a:p>
+            <a:r>
+              <a:rPr lang="en-IN" dirty="0" smtClean="0"/>
+              <a:t>Centre for Excellence in Basic </a:t>
+            </a:r>
+            <a:r>
+              <a:rPr lang="en-IN" dirty="0" smtClean="0"/>
+              <a:t>Sciences</a:t>
+            </a:r>
+            <a:endParaRPr lang="en-US" dirty="0"/>
           </a:p>
         </p:txBody>
       </p:sp>
@@ -3468,6 +3500,940 @@
   <p:clrMapOvr>
     <a:masterClrMapping/>
   </p:clrMapOvr>
+  <p:timing>
+    <p:tnLst>
+      <p:par>
+        <p:cTn id="1" dur="indefinite" restart="never" nodeType="tmRoot"/>
+      </p:par>
+    </p:tnLst>
+  </p:timing>
+</p:sld>
+</file>
+
+<file path=ppt/slides/slide10.xml><?xml version="1.0" encoding="utf-8"?>
+<p:sld xmlns:a="http://schemas.openxmlformats.org/drawingml/2006/main" xmlns:r="http://schemas.openxmlformats.org/officeDocument/2006/relationships" xmlns:p="http://schemas.openxmlformats.org/presentationml/2006/main">
+  <p:cSld>
+    <p:spTree>
+      <p:nvGrpSpPr>
+        <p:cNvPr id="1" name=""/>
+        <p:cNvGrpSpPr/>
+        <p:nvPr/>
+      </p:nvGrpSpPr>
+      <p:grpSpPr>
+        <a:xfrm>
+          <a:off x="0" y="0"/>
+          <a:ext cx="0" cy="0"/>
+          <a:chOff x="0" y="0"/>
+          <a:chExt cx="0" cy="0"/>
+        </a:xfrm>
+      </p:grpSpPr>
+      <p:sp>
+        <p:nvSpPr>
+          <p:cNvPr id="2" name="Title 1"/>
+          <p:cNvSpPr>
+            <a:spLocks noGrp="1"/>
+          </p:cNvSpPr>
+          <p:nvPr>
+            <p:ph type="title"/>
+          </p:nvPr>
+        </p:nvSpPr>
+        <p:spPr/>
+        <p:txBody>
+          <a:bodyPr/>
+          <a:lstStyle/>
+          <a:p>
+            <a:r>
+              <a:rPr lang="en-IN" dirty="0" smtClean="0"/>
+              <a:t>Discriminator</a:t>
+            </a:r>
+            <a:endParaRPr lang="en-IN" dirty="0"/>
+          </a:p>
+        </p:txBody>
+      </p:sp>
+      <p:sp>
+        <p:nvSpPr>
+          <p:cNvPr id="3" name="Content Placeholder 2"/>
+          <p:cNvSpPr>
+            <a:spLocks noGrp="1"/>
+          </p:cNvSpPr>
+          <p:nvPr>
+            <p:ph idx="1"/>
+          </p:nvPr>
+        </p:nvSpPr>
+        <p:spPr/>
+        <p:txBody>
+          <a:bodyPr/>
+          <a:lstStyle/>
+          <a:p>
+            <a:r>
+              <a:rPr lang="en-IN" dirty="0" smtClean="0"/>
+              <a:t>Discriminative model</a:t>
+            </a:r>
+          </a:p>
+          <a:p>
+            <a:r>
+              <a:rPr lang="en-IN" dirty="0" smtClean="0"/>
+              <a:t>Classifier</a:t>
+            </a:r>
+          </a:p>
+          <a:p>
+            <a:r>
+              <a:rPr lang="en-IN" dirty="0" smtClean="0"/>
+              <a:t>Real image v/s Fake image</a:t>
+            </a:r>
+          </a:p>
+          <a:p>
+            <a:r>
+              <a:rPr lang="en-IN" dirty="0" smtClean="0"/>
+              <a:t>Classify as either real or fake</a:t>
+            </a:r>
+          </a:p>
+          <a:p>
+            <a:r>
+              <a:rPr lang="en-IN" dirty="0" smtClean="0"/>
+              <a:t>Binary classifier</a:t>
+            </a:r>
+            <a:endParaRPr lang="en-IN" dirty="0"/>
+          </a:p>
+        </p:txBody>
+      </p:sp>
+    </p:spTree>
+  </p:cSld>
+  <p:clrMapOvr>
+    <a:masterClrMapping/>
+  </p:clrMapOvr>
+  <p:timing>
+    <p:tnLst>
+      <p:par>
+        <p:cTn id="1" dur="indefinite" restart="never" nodeType="tmRoot"/>
+      </p:par>
+    </p:tnLst>
+  </p:timing>
+</p:sld>
+</file>
+
+<file path=ppt/slides/slide11.xml><?xml version="1.0" encoding="utf-8"?>
+<p:sld xmlns:a="http://schemas.openxmlformats.org/drawingml/2006/main" xmlns:r="http://schemas.openxmlformats.org/officeDocument/2006/relationships" xmlns:p="http://schemas.openxmlformats.org/presentationml/2006/main">
+  <p:cSld>
+    <p:spTree>
+      <p:nvGrpSpPr>
+        <p:cNvPr id="1" name=""/>
+        <p:cNvGrpSpPr/>
+        <p:nvPr/>
+      </p:nvGrpSpPr>
+      <p:grpSpPr>
+        <a:xfrm>
+          <a:off x="0" y="0"/>
+          <a:ext cx="0" cy="0"/>
+          <a:chOff x="0" y="0"/>
+          <a:chExt cx="0" cy="0"/>
+        </a:xfrm>
+      </p:grpSpPr>
+      <p:sp>
+        <p:nvSpPr>
+          <p:cNvPr id="2" name="Title 1"/>
+          <p:cNvSpPr>
+            <a:spLocks noGrp="1"/>
+          </p:cNvSpPr>
+          <p:nvPr>
+            <p:ph type="title"/>
+          </p:nvPr>
+        </p:nvSpPr>
+        <p:spPr/>
+        <p:txBody>
+          <a:bodyPr/>
+          <a:lstStyle/>
+          <a:p>
+            <a:r>
+              <a:rPr lang="en-IN" dirty="0" smtClean="0"/>
+              <a:t>Generator v/s </a:t>
+            </a:r>
+            <a:r>
+              <a:rPr lang="en-IN" dirty="0" smtClean="0"/>
+              <a:t>Discriminator</a:t>
+            </a:r>
+            <a:endParaRPr lang="en-IN" dirty="0"/>
+          </a:p>
+        </p:txBody>
+      </p:sp>
+      <p:sp>
+        <p:nvSpPr>
+          <p:cNvPr id="3" name="Content Placeholder 2"/>
+          <p:cNvSpPr>
+            <a:spLocks noGrp="1"/>
+          </p:cNvSpPr>
+          <p:nvPr>
+            <p:ph idx="1"/>
+          </p:nvPr>
+        </p:nvSpPr>
+        <p:spPr/>
+        <p:txBody>
+          <a:bodyPr>
+            <a:normAutofit fontScale="85000" lnSpcReduction="20000"/>
+          </a:bodyPr>
+          <a:lstStyle/>
+          <a:p>
+            <a:r>
+              <a:rPr lang="en-IN" dirty="0" smtClean="0"/>
+              <a:t>Generator</a:t>
+            </a:r>
+          </a:p>
+          <a:p>
+            <a:pPr lvl="1"/>
+            <a:r>
+              <a:rPr lang="en-IN" dirty="0" smtClean="0"/>
+              <a:t>Generate </a:t>
+            </a:r>
+            <a:r>
+              <a:rPr lang="en-IN" dirty="0" smtClean="0"/>
+              <a:t>fake image</a:t>
+            </a:r>
+          </a:p>
+          <a:p>
+            <a:pPr lvl="1"/>
+            <a:r>
+              <a:rPr lang="en-IN" dirty="0" smtClean="0"/>
+              <a:t>Generate realistic image</a:t>
+            </a:r>
+          </a:p>
+          <a:p>
+            <a:pPr lvl="1"/>
+            <a:r>
+              <a:rPr lang="en-IN" dirty="0" smtClean="0"/>
+              <a:t>Generate realistic fake image</a:t>
+            </a:r>
+          </a:p>
+          <a:p>
+            <a:r>
+              <a:rPr lang="en-IN" dirty="0" smtClean="0"/>
+              <a:t>Discriminator</a:t>
+            </a:r>
+            <a:endParaRPr lang="en-IN" dirty="0" smtClean="0"/>
+          </a:p>
+          <a:p>
+            <a:pPr lvl="1"/>
+            <a:r>
+              <a:rPr lang="en-IN" dirty="0" smtClean="0"/>
+              <a:t>Classify image as real or fake image</a:t>
+            </a:r>
+          </a:p>
+          <a:p>
+            <a:pPr lvl="1"/>
+            <a:r>
+              <a:rPr lang="en-IN" dirty="0" smtClean="0"/>
+              <a:t>Discriminate </a:t>
+            </a:r>
+            <a:r>
+              <a:rPr lang="en-IN" dirty="0" smtClean="0"/>
+              <a:t>real and fake image</a:t>
+            </a:r>
+          </a:p>
+          <a:p>
+            <a:pPr lvl="1"/>
+            <a:r>
+              <a:rPr lang="en-IN" dirty="0" smtClean="0"/>
+              <a:t>Detect face images generated by Generator</a:t>
+            </a:r>
+          </a:p>
+          <a:p>
+            <a:r>
+              <a:rPr lang="en-IN" dirty="0" smtClean="0"/>
+              <a:t>Compete with each other</a:t>
+            </a:r>
+          </a:p>
+          <a:p>
+            <a:r>
+              <a:rPr lang="en-IN" dirty="0" smtClean="0"/>
+              <a:t>Adversarial</a:t>
+            </a:r>
+          </a:p>
+          <a:p>
+            <a:r>
+              <a:rPr lang="en-IN" dirty="0" smtClean="0"/>
+              <a:t>Generative Adversarial </a:t>
+            </a:r>
+            <a:r>
+              <a:rPr lang="en-IN" dirty="0" smtClean="0"/>
+              <a:t>Networks</a:t>
+            </a:r>
+            <a:endParaRPr lang="en-IN" dirty="0"/>
+          </a:p>
+        </p:txBody>
+      </p:sp>
+    </p:spTree>
+  </p:cSld>
+  <p:clrMapOvr>
+    <a:masterClrMapping/>
+  </p:clrMapOvr>
+  <p:timing>
+    <p:tnLst>
+      <p:par>
+        <p:cTn id="1" dur="indefinite" restart="never" nodeType="tmRoot"/>
+      </p:par>
+    </p:tnLst>
+  </p:timing>
+</p:sld>
+</file>
+
+<file path=ppt/slides/slide12.xml><?xml version="1.0" encoding="utf-8"?>
+<p:sld xmlns:a="http://schemas.openxmlformats.org/drawingml/2006/main" xmlns:r="http://schemas.openxmlformats.org/officeDocument/2006/relationships" xmlns:p="http://schemas.openxmlformats.org/presentationml/2006/main">
+  <p:cSld>
+    <p:spTree>
+      <p:nvGrpSpPr>
+        <p:cNvPr id="1" name=""/>
+        <p:cNvGrpSpPr/>
+        <p:nvPr/>
+      </p:nvGrpSpPr>
+      <p:grpSpPr>
+        <a:xfrm>
+          <a:off x="0" y="0"/>
+          <a:ext cx="0" cy="0"/>
+          <a:chOff x="0" y="0"/>
+          <a:chExt cx="0" cy="0"/>
+        </a:xfrm>
+      </p:grpSpPr>
+      <p:sp>
+        <p:nvSpPr>
+          <p:cNvPr id="2" name="Title 1"/>
+          <p:cNvSpPr>
+            <a:spLocks noGrp="1"/>
+          </p:cNvSpPr>
+          <p:nvPr>
+            <p:ph type="title"/>
+          </p:nvPr>
+        </p:nvSpPr>
+        <p:spPr/>
+        <p:txBody>
+          <a:bodyPr/>
+          <a:lstStyle/>
+          <a:p>
+            <a:r>
+              <a:rPr lang="en-IN" dirty="0" smtClean="0"/>
+              <a:t>Applications</a:t>
+            </a:r>
+            <a:endParaRPr lang="en-IN" dirty="0"/>
+          </a:p>
+        </p:txBody>
+      </p:sp>
+      <p:sp>
+        <p:nvSpPr>
+          <p:cNvPr id="3" name="Content Placeholder 2"/>
+          <p:cNvSpPr>
+            <a:spLocks noGrp="1"/>
+          </p:cNvSpPr>
+          <p:nvPr>
+            <p:ph idx="1"/>
+          </p:nvPr>
+        </p:nvSpPr>
+        <p:spPr/>
+        <p:txBody>
+          <a:bodyPr/>
+          <a:lstStyle/>
+          <a:p>
+            <a:r>
+              <a:rPr lang="en-IN" dirty="0" smtClean="0"/>
+              <a:t>Generate human faces</a:t>
+            </a:r>
+          </a:p>
+          <a:p>
+            <a:pPr lvl="1"/>
+            <a:r>
+              <a:rPr lang="en-IN" dirty="0" smtClean="0"/>
+              <a:t>Low resolution images to high resolution images</a:t>
+            </a:r>
+          </a:p>
+          <a:p>
+            <a:r>
+              <a:rPr lang="en-IN" dirty="0" smtClean="0"/>
+              <a:t>Generate realistic images</a:t>
+            </a:r>
+          </a:p>
+          <a:p>
+            <a:r>
+              <a:rPr lang="en-IN" dirty="0" smtClean="0"/>
+              <a:t>Generate realistic </a:t>
+            </a:r>
+            <a:r>
+              <a:rPr lang="en-IN" dirty="0" smtClean="0"/>
+              <a:t>animations</a:t>
+            </a:r>
+          </a:p>
+          <a:p>
+            <a:r>
+              <a:rPr lang="en-IN" dirty="0" err="1" smtClean="0"/>
+              <a:t>StyleGAN</a:t>
+            </a:r>
+            <a:r>
+              <a:rPr lang="en-IN" dirty="0" smtClean="0"/>
+              <a:t> </a:t>
+            </a:r>
+            <a:r>
+              <a:rPr lang="en-IN" dirty="0" smtClean="0"/>
+              <a:t>models </a:t>
+            </a:r>
+            <a:endParaRPr lang="en-IN" dirty="0" smtClean="0"/>
+          </a:p>
+          <a:p>
+            <a:endParaRPr lang="en-IN" dirty="0"/>
+          </a:p>
+        </p:txBody>
+      </p:sp>
+    </p:spTree>
+  </p:cSld>
+  <p:clrMapOvr>
+    <a:masterClrMapping/>
+  </p:clrMapOvr>
+</p:sld>
+</file>
+
+<file path=ppt/slides/slide13.xml><?xml version="1.0" encoding="utf-8"?>
+<p:sld xmlns:a="http://schemas.openxmlformats.org/drawingml/2006/main" xmlns:r="http://schemas.openxmlformats.org/officeDocument/2006/relationships" xmlns:p="http://schemas.openxmlformats.org/presentationml/2006/main">
+  <p:cSld>
+    <p:spTree>
+      <p:nvGrpSpPr>
+        <p:cNvPr id="1" name=""/>
+        <p:cNvGrpSpPr/>
+        <p:nvPr/>
+      </p:nvGrpSpPr>
+      <p:grpSpPr>
+        <a:xfrm>
+          <a:off x="0" y="0"/>
+          <a:ext cx="0" cy="0"/>
+          <a:chOff x="0" y="0"/>
+          <a:chExt cx="0" cy="0"/>
+        </a:xfrm>
+      </p:grpSpPr>
+      <p:sp>
+        <p:nvSpPr>
+          <p:cNvPr id="2" name="Title 1"/>
+          <p:cNvSpPr>
+            <a:spLocks noGrp="1"/>
+          </p:cNvSpPr>
+          <p:nvPr>
+            <p:ph type="title"/>
+          </p:nvPr>
+        </p:nvSpPr>
+        <p:spPr/>
+        <p:txBody>
+          <a:bodyPr/>
+          <a:lstStyle/>
+          <a:p>
+            <a:r>
+              <a:rPr lang="en-IN" dirty="0" smtClean="0"/>
+              <a:t>Applications</a:t>
+            </a:r>
+            <a:endParaRPr lang="en-IN" dirty="0"/>
+          </a:p>
+        </p:txBody>
+      </p:sp>
+      <p:sp>
+        <p:nvSpPr>
+          <p:cNvPr id="3" name="Content Placeholder 2"/>
+          <p:cNvSpPr>
+            <a:spLocks noGrp="1"/>
+          </p:cNvSpPr>
+          <p:nvPr>
+            <p:ph idx="1"/>
+          </p:nvPr>
+        </p:nvSpPr>
+        <p:spPr/>
+        <p:txBody>
+          <a:bodyPr/>
+          <a:lstStyle/>
+          <a:p>
+            <a:r>
+              <a:rPr lang="en-IN" dirty="0" smtClean="0"/>
+              <a:t>Image translation</a:t>
+            </a:r>
+          </a:p>
+          <a:p>
+            <a:pPr lvl="1"/>
+            <a:r>
+              <a:rPr lang="en-IN" dirty="0" smtClean="0"/>
+              <a:t>Transform images from one domain to another</a:t>
+            </a:r>
+          </a:p>
+          <a:p>
+            <a:pPr lvl="1"/>
+            <a:r>
+              <a:rPr lang="en-IN" dirty="0" smtClean="0"/>
+              <a:t>Horse to Zebra</a:t>
+            </a:r>
+          </a:p>
+          <a:p>
+            <a:pPr lvl="1"/>
+            <a:r>
+              <a:rPr lang="en-IN" dirty="0" err="1" smtClean="0"/>
+              <a:t>CycleGAN</a:t>
+            </a:r>
+            <a:r>
+              <a:rPr lang="en-IN" dirty="0" smtClean="0"/>
+              <a:t> models</a:t>
+            </a:r>
+          </a:p>
+          <a:p>
+            <a:pPr lvl="1"/>
+            <a:endParaRPr lang="en-IN" dirty="0" smtClean="0"/>
+          </a:p>
+          <a:p>
+            <a:pPr lvl="1"/>
+            <a:endParaRPr lang="en-IN" dirty="0" smtClean="0"/>
+          </a:p>
+          <a:p>
+            <a:endParaRPr lang="en-IN" dirty="0"/>
+          </a:p>
+        </p:txBody>
+      </p:sp>
+    </p:spTree>
+  </p:cSld>
+  <p:clrMapOvr>
+    <a:masterClrMapping/>
+  </p:clrMapOvr>
+</p:sld>
+</file>
+
+<file path=ppt/slides/slide14.xml><?xml version="1.0" encoding="utf-8"?>
+<p:sld xmlns:a="http://schemas.openxmlformats.org/drawingml/2006/main" xmlns:r="http://schemas.openxmlformats.org/officeDocument/2006/relationships" xmlns:p="http://schemas.openxmlformats.org/presentationml/2006/main">
+  <p:cSld>
+    <p:spTree>
+      <p:nvGrpSpPr>
+        <p:cNvPr id="1" name=""/>
+        <p:cNvGrpSpPr/>
+        <p:nvPr/>
+      </p:nvGrpSpPr>
+      <p:grpSpPr>
+        <a:xfrm>
+          <a:off x="0" y="0"/>
+          <a:ext cx="0" cy="0"/>
+          <a:chOff x="0" y="0"/>
+          <a:chExt cx="0" cy="0"/>
+        </a:xfrm>
+      </p:grpSpPr>
+      <p:sp>
+        <p:nvSpPr>
+          <p:cNvPr id="2" name="Title 1"/>
+          <p:cNvSpPr>
+            <a:spLocks noGrp="1"/>
+          </p:cNvSpPr>
+          <p:nvPr>
+            <p:ph type="title"/>
+          </p:nvPr>
+        </p:nvSpPr>
+        <p:spPr/>
+        <p:txBody>
+          <a:bodyPr/>
+          <a:lstStyle/>
+          <a:p>
+            <a:r>
+              <a:rPr lang="en-IN" dirty="0" smtClean="0"/>
+              <a:t>Applications</a:t>
+            </a:r>
+            <a:endParaRPr lang="en-IN" dirty="0"/>
+          </a:p>
+        </p:txBody>
+      </p:sp>
+      <p:sp>
+        <p:nvSpPr>
+          <p:cNvPr id="3" name="Content Placeholder 2"/>
+          <p:cNvSpPr>
+            <a:spLocks noGrp="1"/>
+          </p:cNvSpPr>
+          <p:nvPr>
+            <p:ph idx="1"/>
+          </p:nvPr>
+        </p:nvSpPr>
+        <p:spPr/>
+        <p:txBody>
+          <a:bodyPr/>
+          <a:lstStyle/>
+          <a:p>
+            <a:r>
+              <a:rPr lang="en-IN" dirty="0" smtClean="0"/>
+              <a:t>Data augmentation </a:t>
+            </a:r>
+          </a:p>
+          <a:p>
+            <a:r>
+              <a:rPr lang="en-IN" dirty="0" smtClean="0"/>
+              <a:t>Synthetic dataset generation</a:t>
+            </a:r>
+          </a:p>
+          <a:p>
+            <a:r>
+              <a:rPr lang="en-IN" dirty="0" smtClean="0"/>
+              <a:t>Generate super resolution images</a:t>
+            </a:r>
+          </a:p>
+          <a:p>
+            <a:pPr lvl="1"/>
+            <a:endParaRPr lang="en-IN" dirty="0" smtClean="0"/>
+          </a:p>
+          <a:p>
+            <a:pPr lvl="1"/>
+            <a:endParaRPr lang="en-IN" dirty="0" smtClean="0"/>
+          </a:p>
+          <a:p>
+            <a:endParaRPr lang="en-IN" dirty="0"/>
+          </a:p>
+        </p:txBody>
+      </p:sp>
+    </p:spTree>
+  </p:cSld>
+  <p:clrMapOvr>
+    <a:masterClrMapping/>
+  </p:clrMapOvr>
+</p:sld>
+</file>
+
+<file path=ppt/slides/slide15.xml><?xml version="1.0" encoding="utf-8"?>
+<p:sld xmlns:a="http://schemas.openxmlformats.org/drawingml/2006/main" xmlns:r="http://schemas.openxmlformats.org/officeDocument/2006/relationships" xmlns:p="http://schemas.openxmlformats.org/presentationml/2006/main">
+  <p:cSld>
+    <p:spTree>
+      <p:nvGrpSpPr>
+        <p:cNvPr id="1" name=""/>
+        <p:cNvGrpSpPr/>
+        <p:nvPr/>
+      </p:nvGrpSpPr>
+      <p:grpSpPr>
+        <a:xfrm>
+          <a:off x="0" y="0"/>
+          <a:ext cx="0" cy="0"/>
+          <a:chOff x="0" y="0"/>
+          <a:chExt cx="0" cy="0"/>
+        </a:xfrm>
+      </p:grpSpPr>
+      <p:sp>
+        <p:nvSpPr>
+          <p:cNvPr id="2" name="Title 1"/>
+          <p:cNvSpPr>
+            <a:spLocks noGrp="1"/>
+          </p:cNvSpPr>
+          <p:nvPr>
+            <p:ph type="title"/>
+          </p:nvPr>
+        </p:nvSpPr>
+        <p:spPr/>
+        <p:txBody>
+          <a:bodyPr/>
+          <a:lstStyle/>
+          <a:p>
+            <a:r>
+              <a:rPr lang="en-IN" dirty="0" smtClean="0"/>
+              <a:t>Generator</a:t>
+            </a:r>
+            <a:endParaRPr lang="en-IN" dirty="0"/>
+          </a:p>
+        </p:txBody>
+      </p:sp>
+      <p:sp>
+        <p:nvSpPr>
+          <p:cNvPr id="3" name="Content Placeholder 2"/>
+          <p:cNvSpPr>
+            <a:spLocks noGrp="1"/>
+          </p:cNvSpPr>
+          <p:nvPr>
+            <p:ph idx="1"/>
+          </p:nvPr>
+        </p:nvSpPr>
+        <p:spPr/>
+        <p:txBody>
+          <a:bodyPr/>
+          <a:lstStyle/>
+          <a:p>
+            <a:r>
+              <a:rPr lang="en-IN" dirty="0" smtClean="0"/>
+              <a:t>Generate fake images</a:t>
+            </a:r>
+          </a:p>
+          <a:p>
+            <a:r>
+              <a:rPr lang="en-IN" dirty="0" smtClean="0"/>
+              <a:t>Goal is to fool </a:t>
+            </a:r>
+            <a:r>
+              <a:rPr lang="en-IN" dirty="0" smtClean="0"/>
+              <a:t>Discriminator</a:t>
+            </a:r>
+            <a:endParaRPr lang="en-IN" dirty="0" smtClean="0"/>
+          </a:p>
+          <a:p>
+            <a:r>
+              <a:rPr lang="en-IN" dirty="0" smtClean="0"/>
+              <a:t>No access to real images</a:t>
+            </a:r>
+          </a:p>
+          <a:p>
+            <a:r>
+              <a:rPr lang="en-IN" dirty="0" smtClean="0"/>
+              <a:t>Compete with Discriminator </a:t>
+            </a:r>
+          </a:p>
+          <a:p>
+            <a:endParaRPr lang="en-IN" dirty="0" smtClean="0"/>
+          </a:p>
+          <a:p>
+            <a:endParaRPr lang="en-IN" dirty="0"/>
+          </a:p>
+        </p:txBody>
+      </p:sp>
+    </p:spTree>
+  </p:cSld>
+  <p:clrMapOvr>
+    <a:masterClrMapping/>
+  </p:clrMapOvr>
+</p:sld>
+</file>
+
+<file path=ppt/slides/slide16.xml><?xml version="1.0" encoding="utf-8"?>
+<p:sld xmlns:a="http://schemas.openxmlformats.org/drawingml/2006/main" xmlns:r="http://schemas.openxmlformats.org/officeDocument/2006/relationships" xmlns:p="http://schemas.openxmlformats.org/presentationml/2006/main">
+  <p:cSld>
+    <p:spTree>
+      <p:nvGrpSpPr>
+        <p:cNvPr id="1" name=""/>
+        <p:cNvGrpSpPr/>
+        <p:nvPr/>
+      </p:nvGrpSpPr>
+      <p:grpSpPr>
+        <a:xfrm>
+          <a:off x="0" y="0"/>
+          <a:ext cx="0" cy="0"/>
+          <a:chOff x="0" y="0"/>
+          <a:chExt cx="0" cy="0"/>
+        </a:xfrm>
+      </p:grpSpPr>
+      <p:sp>
+        <p:nvSpPr>
+          <p:cNvPr id="2" name="Title 1"/>
+          <p:cNvSpPr>
+            <a:spLocks noGrp="1"/>
+          </p:cNvSpPr>
+          <p:nvPr>
+            <p:ph type="title"/>
+          </p:nvPr>
+        </p:nvSpPr>
+        <p:spPr/>
+        <p:txBody>
+          <a:bodyPr/>
+          <a:lstStyle/>
+          <a:p>
+            <a:r>
+              <a:rPr lang="en-IN" dirty="0" smtClean="0"/>
+              <a:t>Discriminator</a:t>
+            </a:r>
+            <a:endParaRPr lang="en-IN" dirty="0"/>
+          </a:p>
+        </p:txBody>
+      </p:sp>
+      <p:sp>
+        <p:nvSpPr>
+          <p:cNvPr id="3" name="Content Placeholder 2"/>
+          <p:cNvSpPr>
+            <a:spLocks noGrp="1"/>
+          </p:cNvSpPr>
+          <p:nvPr>
+            <p:ph idx="1"/>
+          </p:nvPr>
+        </p:nvSpPr>
+        <p:spPr/>
+        <p:txBody>
+          <a:bodyPr/>
+          <a:lstStyle/>
+          <a:p>
+            <a:r>
+              <a:rPr lang="en-IN" dirty="0" smtClean="0"/>
+              <a:t>Check image – Real or fake</a:t>
+            </a:r>
+          </a:p>
+          <a:p>
+            <a:r>
+              <a:rPr lang="en-IN" dirty="0" smtClean="0"/>
+              <a:t>Goal is to distinguish between real and fake</a:t>
+            </a:r>
+          </a:p>
+          <a:p>
+            <a:r>
+              <a:rPr lang="en-IN" dirty="0" smtClean="0"/>
+              <a:t>Access </a:t>
+            </a:r>
+            <a:r>
+              <a:rPr lang="en-IN" dirty="0" smtClean="0"/>
+              <a:t>to real </a:t>
+            </a:r>
+            <a:r>
+              <a:rPr lang="en-IN" dirty="0" smtClean="0"/>
+              <a:t>and fake images</a:t>
+            </a:r>
+          </a:p>
+          <a:p>
+            <a:r>
+              <a:rPr lang="en-IN" dirty="0" smtClean="0"/>
+              <a:t>Compete </a:t>
+            </a:r>
+            <a:r>
+              <a:rPr lang="en-IN" smtClean="0"/>
+              <a:t>with </a:t>
+            </a:r>
+            <a:r>
+              <a:rPr lang="en-IN" smtClean="0"/>
+              <a:t>Generator</a:t>
+            </a:r>
+            <a:endParaRPr lang="en-IN" dirty="0" smtClean="0"/>
+          </a:p>
+          <a:p>
+            <a:endParaRPr lang="en-IN" dirty="0" smtClean="0"/>
+          </a:p>
+          <a:p>
+            <a:endParaRPr lang="en-IN" dirty="0" smtClean="0"/>
+          </a:p>
+          <a:p>
+            <a:endParaRPr lang="en-IN" dirty="0"/>
+          </a:p>
+        </p:txBody>
+      </p:sp>
+    </p:spTree>
+  </p:cSld>
+  <p:clrMapOvr>
+    <a:masterClrMapping/>
+  </p:clrMapOvr>
+</p:sld>
+</file>
+
+<file path=ppt/slides/slide17.xml><?xml version="1.0" encoding="utf-8"?>
+<p:sld xmlns:a="http://schemas.openxmlformats.org/drawingml/2006/main" xmlns:r="http://schemas.openxmlformats.org/officeDocument/2006/relationships" xmlns:p="http://schemas.openxmlformats.org/presentationml/2006/main">
+  <p:cSld>
+    <p:spTree>
+      <p:nvGrpSpPr>
+        <p:cNvPr id="1" name=""/>
+        <p:cNvGrpSpPr/>
+        <p:nvPr/>
+      </p:nvGrpSpPr>
+      <p:grpSpPr>
+        <a:xfrm>
+          <a:off x="0" y="0"/>
+          <a:ext cx="0" cy="0"/>
+          <a:chOff x="0" y="0"/>
+          <a:chExt cx="0" cy="0"/>
+        </a:xfrm>
+      </p:grpSpPr>
+      <p:sp>
+        <p:nvSpPr>
+          <p:cNvPr id="2" name="Title 1"/>
+          <p:cNvSpPr>
+            <a:spLocks noGrp="1"/>
+          </p:cNvSpPr>
+          <p:nvPr>
+            <p:ph type="title"/>
+          </p:nvPr>
+        </p:nvSpPr>
+        <p:spPr/>
+        <p:txBody>
+          <a:bodyPr/>
+          <a:lstStyle/>
+          <a:p>
+            <a:endParaRPr lang="en-IN"/>
+          </a:p>
+        </p:txBody>
+      </p:sp>
+      <p:sp>
+        <p:nvSpPr>
+          <p:cNvPr id="3" name="Content Placeholder 2"/>
+          <p:cNvSpPr>
+            <a:spLocks noGrp="1"/>
+          </p:cNvSpPr>
+          <p:nvPr>
+            <p:ph idx="1"/>
+          </p:nvPr>
+        </p:nvSpPr>
+        <p:spPr/>
+        <p:txBody>
+          <a:bodyPr/>
+          <a:lstStyle/>
+          <a:p>
+            <a:endParaRPr lang="en-IN"/>
+          </a:p>
+        </p:txBody>
+      </p:sp>
+    </p:spTree>
+  </p:cSld>
+  <p:clrMapOvr>
+    <a:masterClrMapping/>
+  </p:clrMapOvr>
+</p:sld>
+</file>
+
+<file path=ppt/slides/slide18.xml><?xml version="1.0" encoding="utf-8"?>
+<p:sld xmlns:a="http://schemas.openxmlformats.org/drawingml/2006/main" xmlns:r="http://schemas.openxmlformats.org/officeDocument/2006/relationships" xmlns:p="http://schemas.openxmlformats.org/presentationml/2006/main">
+  <p:cSld>
+    <p:spTree>
+      <p:nvGrpSpPr>
+        <p:cNvPr id="1" name=""/>
+        <p:cNvGrpSpPr/>
+        <p:nvPr/>
+      </p:nvGrpSpPr>
+      <p:grpSpPr>
+        <a:xfrm>
+          <a:off x="0" y="0"/>
+          <a:ext cx="0" cy="0"/>
+          <a:chOff x="0" y="0"/>
+          <a:chExt cx="0" cy="0"/>
+        </a:xfrm>
+      </p:grpSpPr>
+      <p:sp>
+        <p:nvSpPr>
+          <p:cNvPr id="2" name="Title 1"/>
+          <p:cNvSpPr>
+            <a:spLocks noGrp="1"/>
+          </p:cNvSpPr>
+          <p:nvPr>
+            <p:ph type="ctrTitle"/>
+          </p:nvPr>
+        </p:nvSpPr>
+        <p:spPr/>
+        <p:txBody>
+          <a:bodyPr/>
+          <a:lstStyle/>
+          <a:p>
+            <a:r>
+              <a:rPr lang="en-US" dirty="0"/>
+              <a:t>Questions?</a:t>
+            </a:r>
+          </a:p>
+        </p:txBody>
+      </p:sp>
+      <p:sp>
+        <p:nvSpPr>
+          <p:cNvPr id="3" name="Subtitle 2"/>
+          <p:cNvSpPr>
+            <a:spLocks noGrp="1"/>
+          </p:cNvSpPr>
+          <p:nvPr>
+            <p:ph type="subTitle" idx="1"/>
+          </p:nvPr>
+        </p:nvSpPr>
+        <p:spPr/>
+        <p:txBody>
+          <a:bodyPr/>
+          <a:lstStyle/>
+          <a:p>
+            <a:r>
+              <a:rPr lang="en-US" dirty="0"/>
+              <a:t>Thank you</a:t>
+            </a:r>
+          </a:p>
+        </p:txBody>
+      </p:sp>
+    </p:spTree>
+  </p:cSld>
+  <p:clrMapOvr>
+    <a:masterClrMapping/>
+  </p:clrMapOvr>
+  <p:timing>
+    <p:tnLst>
+      <p:par>
+        <p:cTn id="1" dur="indefinite" restart="never" nodeType="tmRoot"/>
+      </p:par>
+    </p:tnLst>
+  </p:timing>
 </p:sld>
 </file>
 
@@ -3527,6 +4493,66 @@
           </a:bodyPr>
           <a:lstStyle/>
           <a:p>
+            <a:r>
+              <a:rPr lang="en-IN" dirty="0" smtClean="0"/>
+              <a:t>Discriminative </a:t>
+            </a:r>
+            <a:r>
+              <a:rPr lang="en-IN" dirty="0" smtClean="0"/>
+              <a:t>Models</a:t>
+            </a:r>
+          </a:p>
+          <a:p>
+            <a:r>
+              <a:rPr lang="en-IN" dirty="0" smtClean="0"/>
+              <a:t>Generative </a:t>
+            </a:r>
+            <a:r>
+              <a:rPr lang="en-IN" dirty="0" smtClean="0"/>
+              <a:t>Models</a:t>
+            </a:r>
+          </a:p>
+          <a:p>
+            <a:r>
+              <a:rPr lang="en-IN" dirty="0" smtClean="0"/>
+              <a:t>Auto </a:t>
+            </a:r>
+            <a:r>
+              <a:rPr lang="en-IN" dirty="0" smtClean="0"/>
+              <a:t>Encoder</a:t>
+            </a:r>
+          </a:p>
+          <a:p>
+            <a:r>
+              <a:rPr lang="en-IN" dirty="0" err="1" smtClean="0"/>
+              <a:t>Variational</a:t>
+            </a:r>
+            <a:r>
+              <a:rPr lang="en-IN" dirty="0" smtClean="0"/>
+              <a:t> Auto </a:t>
+            </a:r>
+            <a:r>
+              <a:rPr lang="en-IN" dirty="0" smtClean="0"/>
+              <a:t>Encoder</a:t>
+            </a:r>
+          </a:p>
+          <a:p>
+            <a:r>
+              <a:rPr lang="en-IN" dirty="0" smtClean="0"/>
+              <a:t>Generative Adversarial </a:t>
+            </a:r>
+            <a:r>
+              <a:rPr lang="en-IN" dirty="0" smtClean="0"/>
+              <a:t>Networks</a:t>
+            </a:r>
+          </a:p>
+          <a:p>
+            <a:r>
+              <a:rPr lang="en-IN" dirty="0" smtClean="0"/>
+              <a:t>Applications</a:t>
+            </a:r>
+          </a:p>
+          <a:p>
             <a:endParaRPr lang="en-US" dirty="0"/>
           </a:p>
         </p:txBody>
@@ -3536,6 +4562,13 @@
   <p:clrMapOvr>
     <a:masterClrMapping/>
   </p:clrMapOvr>
+  <p:timing>
+    <p:tnLst>
+      <p:par>
+        <p:cTn id="1" dur="indefinite" restart="never" nodeType="tmRoot"/>
+      </p:par>
+    </p:tnLst>
+  </p:timing>
 </p:sld>
 </file>
 
@@ -3563,40 +4596,60 @@
             <a:spLocks noGrp="1"/>
           </p:cNvSpPr>
           <p:nvPr>
-            <p:ph type="ctrTitle"/>
-          </p:nvPr>
-        </p:nvSpPr>
-        <p:spPr/>
-        <p:txBody>
-          <a:bodyPr/>
-          <a:lstStyle/>
-          <a:p>
-            <a:r>
-              <a:rPr lang="en-US" dirty="0"/>
-              <a:t>Questions?</a:t>
-            </a:r>
-          </a:p>
-        </p:txBody>
-      </p:sp>
-      <p:sp>
-        <p:nvSpPr>
-          <p:cNvPr id="3" name="Subtitle 2"/>
-          <p:cNvSpPr>
-            <a:spLocks noGrp="1"/>
-          </p:cNvSpPr>
-          <p:nvPr>
-            <p:ph type="subTitle" idx="1"/>
-          </p:nvPr>
-        </p:nvSpPr>
-        <p:spPr/>
-        <p:txBody>
-          <a:bodyPr/>
-          <a:lstStyle/>
-          <a:p>
-            <a:r>
-              <a:rPr lang="en-US" dirty="0"/>
-              <a:t>Thank you</a:t>
-            </a:r>
+            <p:ph type="title"/>
+          </p:nvPr>
+        </p:nvSpPr>
+        <p:spPr/>
+        <p:txBody>
+          <a:bodyPr/>
+          <a:lstStyle/>
+          <a:p>
+            <a:r>
+              <a:rPr lang="en-IN" dirty="0" smtClean="0"/>
+              <a:t>Discriminative Models</a:t>
+            </a:r>
+            <a:endParaRPr lang="en-IN" dirty="0"/>
+          </a:p>
+        </p:txBody>
+      </p:sp>
+      <p:sp>
+        <p:nvSpPr>
+          <p:cNvPr id="3" name="Content Placeholder 2"/>
+          <p:cNvSpPr>
+            <a:spLocks noGrp="1"/>
+          </p:cNvSpPr>
+          <p:nvPr>
+            <p:ph idx="1"/>
+          </p:nvPr>
+        </p:nvSpPr>
+        <p:spPr/>
+        <p:txBody>
+          <a:bodyPr/>
+          <a:lstStyle/>
+          <a:p>
+            <a:r>
+              <a:rPr lang="en-IN" dirty="0" smtClean="0"/>
+              <a:t>Classification models</a:t>
+            </a:r>
+          </a:p>
+          <a:p>
+            <a:r>
+              <a:rPr lang="en-IN" dirty="0" smtClean="0"/>
+              <a:t>Deep learning</a:t>
+            </a:r>
+          </a:p>
+          <a:p>
+            <a:r>
+              <a:rPr lang="en-IN" dirty="0" smtClean="0"/>
+              <a:t>Classifiers</a:t>
+            </a:r>
+          </a:p>
+          <a:p>
+            <a:r>
+              <a:rPr lang="en-IN" dirty="0" smtClean="0"/>
+              <a:t>Input image - Features - Image class</a:t>
+            </a:r>
+            <a:endParaRPr lang="en-IN" dirty="0"/>
           </a:p>
         </p:txBody>
       </p:sp>
@@ -3605,6 +4658,758 @@
   <p:clrMapOvr>
     <a:masterClrMapping/>
   </p:clrMapOvr>
+  <p:timing>
+    <p:tnLst>
+      <p:par>
+        <p:cTn id="1" dur="indefinite" restart="never" nodeType="tmRoot"/>
+      </p:par>
+    </p:tnLst>
+  </p:timing>
+</p:sld>
+</file>
+
+<file path=ppt/slides/slide4.xml><?xml version="1.0" encoding="utf-8"?>
+<p:sld xmlns:a="http://schemas.openxmlformats.org/drawingml/2006/main" xmlns:r="http://schemas.openxmlformats.org/officeDocument/2006/relationships" xmlns:p="http://schemas.openxmlformats.org/presentationml/2006/main">
+  <p:cSld>
+    <p:spTree>
+      <p:nvGrpSpPr>
+        <p:cNvPr id="1" name=""/>
+        <p:cNvGrpSpPr/>
+        <p:nvPr/>
+      </p:nvGrpSpPr>
+      <p:grpSpPr>
+        <a:xfrm>
+          <a:off x="0" y="0"/>
+          <a:ext cx="0" cy="0"/>
+          <a:chOff x="0" y="0"/>
+          <a:chExt cx="0" cy="0"/>
+        </a:xfrm>
+      </p:grpSpPr>
+      <p:sp>
+        <p:nvSpPr>
+          <p:cNvPr id="2" name="Title 1"/>
+          <p:cNvSpPr>
+            <a:spLocks noGrp="1"/>
+          </p:cNvSpPr>
+          <p:nvPr>
+            <p:ph type="title"/>
+          </p:nvPr>
+        </p:nvSpPr>
+        <p:spPr/>
+        <p:txBody>
+          <a:bodyPr/>
+          <a:lstStyle/>
+          <a:p>
+            <a:r>
+              <a:rPr lang="en-IN" dirty="0" smtClean="0"/>
+              <a:t>Generative Models</a:t>
+            </a:r>
+            <a:endParaRPr lang="en-IN" dirty="0"/>
+          </a:p>
+        </p:txBody>
+      </p:sp>
+      <p:sp>
+        <p:nvSpPr>
+          <p:cNvPr id="3" name="Content Placeholder 2"/>
+          <p:cNvSpPr>
+            <a:spLocks noGrp="1"/>
+          </p:cNvSpPr>
+          <p:nvPr>
+            <p:ph idx="1"/>
+          </p:nvPr>
+        </p:nvSpPr>
+        <p:spPr/>
+        <p:txBody>
+          <a:bodyPr>
+            <a:normAutofit fontScale="92500" lnSpcReduction="20000"/>
+          </a:bodyPr>
+          <a:lstStyle/>
+          <a:p>
+            <a:r>
+              <a:rPr lang="en-IN" dirty="0" smtClean="0"/>
+              <a:t>Generate images</a:t>
+            </a:r>
+          </a:p>
+          <a:p>
+            <a:r>
+              <a:rPr lang="en-IN" dirty="0" smtClean="0"/>
+              <a:t>Input</a:t>
+            </a:r>
+          </a:p>
+          <a:p>
+            <a:pPr lvl="1"/>
+            <a:r>
+              <a:rPr lang="en-IN" dirty="0" smtClean="0"/>
+              <a:t>Noise - Latent space</a:t>
+            </a:r>
+          </a:p>
+          <a:p>
+            <a:pPr lvl="1"/>
+            <a:r>
+              <a:rPr lang="en-IN" dirty="0" smtClean="0"/>
+              <a:t>Image class</a:t>
+            </a:r>
+          </a:p>
+          <a:p>
+            <a:r>
+              <a:rPr lang="en-IN" dirty="0" smtClean="0"/>
+              <a:t>Output</a:t>
+            </a:r>
+          </a:p>
+          <a:p>
+            <a:pPr lvl="1"/>
+            <a:r>
+              <a:rPr lang="en-IN" dirty="0" smtClean="0"/>
+              <a:t>Features</a:t>
+            </a:r>
+          </a:p>
+          <a:p>
+            <a:pPr lvl="1"/>
+            <a:r>
+              <a:rPr lang="en-IN" dirty="0" smtClean="0"/>
+              <a:t>Image</a:t>
+            </a:r>
+          </a:p>
+          <a:p>
+            <a:r>
+              <a:rPr lang="en-IN" dirty="0" smtClean="0"/>
+              <a:t>Noise - Latent space</a:t>
+            </a:r>
+          </a:p>
+          <a:p>
+            <a:pPr lvl="1"/>
+            <a:r>
+              <a:rPr lang="en-IN" dirty="0" smtClean="0"/>
+              <a:t>Generate different output images</a:t>
+            </a:r>
+          </a:p>
+          <a:p>
+            <a:pPr lvl="1"/>
+            <a:r>
+              <a:rPr lang="en-IN" dirty="0" smtClean="0"/>
+              <a:t>Generate realistic images</a:t>
+            </a:r>
+            <a:endParaRPr lang="en-IN" dirty="0"/>
+          </a:p>
+        </p:txBody>
+      </p:sp>
+    </p:spTree>
+  </p:cSld>
+  <p:clrMapOvr>
+    <a:masterClrMapping/>
+  </p:clrMapOvr>
+  <p:timing>
+    <p:tnLst>
+      <p:par>
+        <p:cTn id="1" dur="indefinite" restart="never" nodeType="tmRoot"/>
+      </p:par>
+    </p:tnLst>
+  </p:timing>
+</p:sld>
+</file>
+
+<file path=ppt/slides/slide5.xml><?xml version="1.0" encoding="utf-8"?>
+<p:sld xmlns:a="http://schemas.openxmlformats.org/drawingml/2006/main" xmlns:r="http://schemas.openxmlformats.org/officeDocument/2006/relationships" xmlns:p="http://schemas.openxmlformats.org/presentationml/2006/main">
+  <p:cSld>
+    <p:spTree>
+      <p:nvGrpSpPr>
+        <p:cNvPr id="1" name=""/>
+        <p:cNvGrpSpPr/>
+        <p:nvPr/>
+      </p:nvGrpSpPr>
+      <p:grpSpPr>
+        <a:xfrm>
+          <a:off x="0" y="0"/>
+          <a:ext cx="0" cy="0"/>
+          <a:chOff x="0" y="0"/>
+          <a:chExt cx="0" cy="0"/>
+        </a:xfrm>
+      </p:grpSpPr>
+      <p:sp>
+        <p:nvSpPr>
+          <p:cNvPr id="2" name="Title 1"/>
+          <p:cNvSpPr>
+            <a:spLocks noGrp="1"/>
+          </p:cNvSpPr>
+          <p:nvPr>
+            <p:ph type="title"/>
+          </p:nvPr>
+        </p:nvSpPr>
+        <p:spPr/>
+        <p:txBody>
+          <a:bodyPr/>
+          <a:lstStyle/>
+          <a:p>
+            <a:r>
+              <a:rPr lang="en-IN" dirty="0" smtClean="0"/>
+              <a:t>Generative Models Types</a:t>
+            </a:r>
+            <a:endParaRPr lang="en-IN" dirty="0"/>
+          </a:p>
+        </p:txBody>
+      </p:sp>
+      <p:sp>
+        <p:nvSpPr>
+          <p:cNvPr id="3" name="Content Placeholder 2"/>
+          <p:cNvSpPr>
+            <a:spLocks noGrp="1"/>
+          </p:cNvSpPr>
+          <p:nvPr>
+            <p:ph idx="1"/>
+          </p:nvPr>
+        </p:nvSpPr>
+        <p:spPr/>
+        <p:txBody>
+          <a:bodyPr/>
+          <a:lstStyle/>
+          <a:p>
+            <a:r>
+              <a:rPr lang="en-IN" dirty="0" err="1" smtClean="0"/>
+              <a:t>Variational</a:t>
+            </a:r>
+            <a:r>
+              <a:rPr lang="en-IN" dirty="0" smtClean="0"/>
+              <a:t> Auto Encoders - VAE</a:t>
+            </a:r>
+          </a:p>
+          <a:p>
+            <a:r>
+              <a:rPr lang="en-IN" dirty="0" smtClean="0"/>
+              <a:t>Generative Adversarial Networks - GAN</a:t>
+            </a:r>
+            <a:endParaRPr lang="en-IN" dirty="0"/>
+          </a:p>
+        </p:txBody>
+      </p:sp>
+    </p:spTree>
+  </p:cSld>
+  <p:clrMapOvr>
+    <a:masterClrMapping/>
+  </p:clrMapOvr>
+  <p:timing>
+    <p:tnLst>
+      <p:par>
+        <p:cTn id="1" dur="indefinite" restart="never" nodeType="tmRoot"/>
+      </p:par>
+    </p:tnLst>
+  </p:timing>
+</p:sld>
+</file>
+
+<file path=ppt/slides/slide6.xml><?xml version="1.0" encoding="utf-8"?>
+<p:sld xmlns:a="http://schemas.openxmlformats.org/drawingml/2006/main" xmlns:r="http://schemas.openxmlformats.org/officeDocument/2006/relationships" xmlns:p="http://schemas.openxmlformats.org/presentationml/2006/main">
+  <p:cSld>
+    <p:spTree>
+      <p:nvGrpSpPr>
+        <p:cNvPr id="1" name=""/>
+        <p:cNvGrpSpPr/>
+        <p:nvPr/>
+      </p:nvGrpSpPr>
+      <p:grpSpPr>
+        <a:xfrm>
+          <a:off x="0" y="0"/>
+          <a:ext cx="0" cy="0"/>
+          <a:chOff x="0" y="0"/>
+          <a:chExt cx="0" cy="0"/>
+        </a:xfrm>
+      </p:grpSpPr>
+      <p:sp>
+        <p:nvSpPr>
+          <p:cNvPr id="2" name="Title 1"/>
+          <p:cNvSpPr>
+            <a:spLocks noGrp="1"/>
+          </p:cNvSpPr>
+          <p:nvPr>
+            <p:ph type="title"/>
+          </p:nvPr>
+        </p:nvSpPr>
+        <p:spPr/>
+        <p:txBody>
+          <a:bodyPr/>
+          <a:lstStyle/>
+          <a:p>
+            <a:r>
+              <a:rPr lang="en-IN" dirty="0" smtClean="0"/>
+              <a:t>Auto </a:t>
+            </a:r>
+            <a:r>
+              <a:rPr lang="en-IN" dirty="0" smtClean="0"/>
+              <a:t>Encoder</a:t>
+            </a:r>
+            <a:endParaRPr lang="en-IN" dirty="0"/>
+          </a:p>
+        </p:txBody>
+      </p:sp>
+      <p:sp>
+        <p:nvSpPr>
+          <p:cNvPr id="3" name="Content Placeholder 2"/>
+          <p:cNvSpPr>
+            <a:spLocks noGrp="1"/>
+          </p:cNvSpPr>
+          <p:nvPr>
+            <p:ph idx="1"/>
+          </p:nvPr>
+        </p:nvSpPr>
+        <p:spPr/>
+        <p:txBody>
+          <a:bodyPr>
+            <a:normAutofit/>
+          </a:bodyPr>
+          <a:lstStyle/>
+          <a:p>
+            <a:pPr marL="342900" lvl="1" indent="-342900">
+              <a:buFont typeface="Arial" pitchFamily="34" charset="0"/>
+              <a:buChar char="•"/>
+            </a:pPr>
+            <a:r>
+              <a:rPr lang="en-IN" dirty="0" smtClean="0"/>
+              <a:t>Reconstruct original </a:t>
+            </a:r>
+            <a:r>
+              <a:rPr lang="en-IN" dirty="0" smtClean="0"/>
+              <a:t>input</a:t>
+            </a:r>
+          </a:p>
+          <a:p>
+            <a:r>
+              <a:rPr lang="en-IN" dirty="0" smtClean="0"/>
+              <a:t>Encoder</a:t>
+            </a:r>
+            <a:endParaRPr lang="en-IN" dirty="0" smtClean="0"/>
+          </a:p>
+          <a:p>
+            <a:pPr lvl="1"/>
+            <a:r>
+              <a:rPr lang="en-IN" dirty="0" smtClean="0"/>
+              <a:t>Encode input</a:t>
+            </a:r>
+          </a:p>
+          <a:p>
+            <a:pPr lvl="1"/>
+            <a:r>
+              <a:rPr lang="en-IN" dirty="0" smtClean="0"/>
+              <a:t>Learn features</a:t>
+            </a:r>
+          </a:p>
+          <a:p>
+            <a:pPr lvl="1"/>
+            <a:r>
+              <a:rPr lang="en-IN" dirty="0" smtClean="0"/>
+              <a:t>Learn latent space</a:t>
+            </a:r>
+          </a:p>
+          <a:p>
+            <a:r>
+              <a:rPr lang="en-IN" dirty="0" smtClean="0"/>
+              <a:t>Decoder</a:t>
+            </a:r>
+          </a:p>
+          <a:p>
+            <a:pPr lvl="1"/>
+            <a:r>
+              <a:rPr lang="en-IN" dirty="0" smtClean="0"/>
+              <a:t>Decode features / latent space</a:t>
+            </a:r>
+          </a:p>
+          <a:p>
+            <a:pPr lvl="1"/>
+            <a:r>
+              <a:rPr lang="en-IN" dirty="0" smtClean="0"/>
+              <a:t>Reconstruct original input</a:t>
+            </a:r>
+            <a:endParaRPr lang="en-IN" dirty="0"/>
+          </a:p>
+        </p:txBody>
+      </p:sp>
+    </p:spTree>
+  </p:cSld>
+  <p:clrMapOvr>
+    <a:masterClrMapping/>
+  </p:clrMapOvr>
+  <p:timing>
+    <p:tnLst>
+      <p:par>
+        <p:cTn id="1" dur="indefinite" restart="never" nodeType="tmRoot"/>
+      </p:par>
+    </p:tnLst>
+  </p:timing>
+</p:sld>
+</file>
+
+<file path=ppt/slides/slide7.xml><?xml version="1.0" encoding="utf-8"?>
+<p:sld xmlns:a="http://schemas.openxmlformats.org/drawingml/2006/main" xmlns:r="http://schemas.openxmlformats.org/officeDocument/2006/relationships" xmlns:p="http://schemas.openxmlformats.org/presentationml/2006/main">
+  <p:cSld>
+    <p:spTree>
+      <p:nvGrpSpPr>
+        <p:cNvPr id="1" name=""/>
+        <p:cNvGrpSpPr/>
+        <p:nvPr/>
+      </p:nvGrpSpPr>
+      <p:grpSpPr>
+        <a:xfrm>
+          <a:off x="0" y="0"/>
+          <a:ext cx="0" cy="0"/>
+          <a:chOff x="0" y="0"/>
+          <a:chExt cx="0" cy="0"/>
+        </a:xfrm>
+      </p:grpSpPr>
+      <p:sp>
+        <p:nvSpPr>
+          <p:cNvPr id="2" name="Title 1"/>
+          <p:cNvSpPr>
+            <a:spLocks noGrp="1"/>
+          </p:cNvSpPr>
+          <p:nvPr>
+            <p:ph type="title"/>
+          </p:nvPr>
+        </p:nvSpPr>
+        <p:spPr/>
+        <p:txBody>
+          <a:bodyPr/>
+          <a:lstStyle/>
+          <a:p>
+            <a:r>
+              <a:rPr lang="en-IN" dirty="0" err="1" smtClean="0"/>
+              <a:t>Variational</a:t>
+            </a:r>
+            <a:r>
+              <a:rPr lang="en-IN" dirty="0" smtClean="0"/>
+              <a:t> Auto </a:t>
+            </a:r>
+            <a:r>
+              <a:rPr lang="en-IN" dirty="0" smtClean="0"/>
+              <a:t>Encoder</a:t>
+            </a:r>
+            <a:endParaRPr lang="en-IN" dirty="0"/>
+          </a:p>
+        </p:txBody>
+      </p:sp>
+      <p:sp>
+        <p:nvSpPr>
+          <p:cNvPr id="3" name="Content Placeholder 2"/>
+          <p:cNvSpPr>
+            <a:spLocks noGrp="1"/>
+          </p:cNvSpPr>
+          <p:nvPr>
+            <p:ph idx="1"/>
+          </p:nvPr>
+        </p:nvSpPr>
+        <p:spPr/>
+        <p:txBody>
+          <a:bodyPr>
+            <a:normAutofit fontScale="92500" lnSpcReduction="20000"/>
+          </a:bodyPr>
+          <a:lstStyle/>
+          <a:p>
+            <a:r>
+              <a:rPr lang="en-IN" dirty="0" smtClean="0"/>
+              <a:t>VAE</a:t>
+            </a:r>
+          </a:p>
+          <a:p>
+            <a:r>
+              <a:rPr lang="en-IN" dirty="0" smtClean="0"/>
+              <a:t>Encoder</a:t>
+            </a:r>
+            <a:endParaRPr lang="en-IN" dirty="0" smtClean="0"/>
+          </a:p>
+          <a:p>
+            <a:pPr lvl="1"/>
+            <a:r>
+              <a:rPr lang="en-IN" dirty="0" smtClean="0"/>
+              <a:t>Encode image onto whole distribution </a:t>
+            </a:r>
+            <a:endParaRPr lang="en-IN" dirty="0" smtClean="0"/>
+          </a:p>
+          <a:p>
+            <a:pPr lvl="1"/>
+            <a:r>
+              <a:rPr lang="en-IN" dirty="0" smtClean="0"/>
+              <a:t>Mean </a:t>
+            </a:r>
+            <a:r>
+              <a:rPr lang="en-IN" dirty="0" smtClean="0"/>
+              <a:t>&amp; Variance</a:t>
+            </a:r>
+          </a:p>
+          <a:p>
+            <a:r>
+              <a:rPr lang="en-IN" dirty="0" smtClean="0"/>
+              <a:t>Decoder</a:t>
+            </a:r>
+            <a:endParaRPr lang="en-IN" dirty="0" smtClean="0"/>
+          </a:p>
+          <a:p>
+            <a:pPr lvl="1"/>
+            <a:r>
+              <a:rPr lang="en-IN" dirty="0" smtClean="0"/>
+              <a:t>Sample from distribution</a:t>
+            </a:r>
+          </a:p>
+          <a:p>
+            <a:pPr lvl="1"/>
+            <a:r>
+              <a:rPr lang="en-IN" dirty="0" smtClean="0"/>
+              <a:t>Noise</a:t>
+            </a:r>
+          </a:p>
+          <a:p>
+            <a:r>
+              <a:rPr lang="en-IN" dirty="0" smtClean="0"/>
+              <a:t>Add noise</a:t>
+            </a:r>
+          </a:p>
+          <a:p>
+            <a:pPr lvl="1"/>
+            <a:r>
+              <a:rPr lang="en-IN" dirty="0" smtClean="0"/>
+              <a:t>Generate realistic images</a:t>
+            </a:r>
+          </a:p>
+          <a:p>
+            <a:pPr lvl="1"/>
+            <a:r>
+              <a:rPr lang="en-IN" dirty="0" smtClean="0"/>
+              <a:t>Generate different images </a:t>
+            </a:r>
+            <a:endParaRPr lang="en-IN" dirty="0"/>
+          </a:p>
+        </p:txBody>
+      </p:sp>
+    </p:spTree>
+  </p:cSld>
+  <p:clrMapOvr>
+    <a:masterClrMapping/>
+  </p:clrMapOvr>
+  <p:timing>
+    <p:tnLst>
+      <p:par>
+        <p:cTn id="1" dur="indefinite" restart="never" nodeType="tmRoot"/>
+      </p:par>
+    </p:tnLst>
+  </p:timing>
+</p:sld>
+</file>
+
+<file path=ppt/slides/slide8.xml><?xml version="1.0" encoding="utf-8"?>
+<p:sld xmlns:a="http://schemas.openxmlformats.org/drawingml/2006/main" xmlns:r="http://schemas.openxmlformats.org/officeDocument/2006/relationships" xmlns:p="http://schemas.openxmlformats.org/presentationml/2006/main">
+  <p:cSld>
+    <p:spTree>
+      <p:nvGrpSpPr>
+        <p:cNvPr id="1" name=""/>
+        <p:cNvGrpSpPr/>
+        <p:nvPr/>
+      </p:nvGrpSpPr>
+      <p:grpSpPr>
+        <a:xfrm>
+          <a:off x="0" y="0"/>
+          <a:ext cx="0" cy="0"/>
+          <a:chOff x="0" y="0"/>
+          <a:chExt cx="0" cy="0"/>
+        </a:xfrm>
+      </p:grpSpPr>
+      <p:sp>
+        <p:nvSpPr>
+          <p:cNvPr id="2" name="Title 1"/>
+          <p:cNvSpPr>
+            <a:spLocks noGrp="1"/>
+          </p:cNvSpPr>
+          <p:nvPr>
+            <p:ph type="title"/>
+          </p:nvPr>
+        </p:nvSpPr>
+        <p:spPr/>
+        <p:txBody>
+          <a:bodyPr/>
+          <a:lstStyle/>
+          <a:p>
+            <a:r>
+              <a:rPr lang="en-IN" dirty="0" smtClean="0"/>
+              <a:t>Generative Adversarial </a:t>
+            </a:r>
+            <a:r>
+              <a:rPr lang="en-IN" dirty="0" smtClean="0"/>
+              <a:t>Networks</a:t>
+            </a:r>
+            <a:endParaRPr lang="en-IN" dirty="0"/>
+          </a:p>
+        </p:txBody>
+      </p:sp>
+      <p:sp>
+        <p:nvSpPr>
+          <p:cNvPr id="3" name="Content Placeholder 2"/>
+          <p:cNvSpPr>
+            <a:spLocks noGrp="1"/>
+          </p:cNvSpPr>
+          <p:nvPr>
+            <p:ph idx="1"/>
+          </p:nvPr>
+        </p:nvSpPr>
+        <p:spPr/>
+        <p:txBody>
+          <a:bodyPr/>
+          <a:lstStyle/>
+          <a:p>
+            <a:r>
+              <a:rPr lang="en-IN" dirty="0" smtClean="0"/>
+              <a:t>GAN</a:t>
+            </a:r>
+          </a:p>
+          <a:p>
+            <a:r>
+              <a:rPr lang="en-IN" dirty="0" smtClean="0"/>
+              <a:t>Generator</a:t>
+            </a:r>
+          </a:p>
+          <a:p>
+            <a:r>
+              <a:rPr lang="en-IN" dirty="0" smtClean="0"/>
+              <a:t>Discriminator</a:t>
+            </a:r>
+            <a:endParaRPr lang="en-IN" dirty="0"/>
+          </a:p>
+        </p:txBody>
+      </p:sp>
+    </p:spTree>
+  </p:cSld>
+  <p:clrMapOvr>
+    <a:masterClrMapping/>
+  </p:clrMapOvr>
+  <p:timing>
+    <p:tnLst>
+      <p:par>
+        <p:cTn id="1" dur="indefinite" restart="never" nodeType="tmRoot"/>
+      </p:par>
+    </p:tnLst>
+  </p:timing>
+</p:sld>
+</file>
+
+<file path=ppt/slides/slide9.xml><?xml version="1.0" encoding="utf-8"?>
+<p:sld xmlns:a="http://schemas.openxmlformats.org/drawingml/2006/main" xmlns:r="http://schemas.openxmlformats.org/officeDocument/2006/relationships" xmlns:p="http://schemas.openxmlformats.org/presentationml/2006/main">
+  <p:cSld>
+    <p:spTree>
+      <p:nvGrpSpPr>
+        <p:cNvPr id="1" name=""/>
+        <p:cNvGrpSpPr/>
+        <p:nvPr/>
+      </p:nvGrpSpPr>
+      <p:grpSpPr>
+        <a:xfrm>
+          <a:off x="0" y="0"/>
+          <a:ext cx="0" cy="0"/>
+          <a:chOff x="0" y="0"/>
+          <a:chExt cx="0" cy="0"/>
+        </a:xfrm>
+      </p:grpSpPr>
+      <p:sp>
+        <p:nvSpPr>
+          <p:cNvPr id="2" name="Title 1"/>
+          <p:cNvSpPr>
+            <a:spLocks noGrp="1"/>
+          </p:cNvSpPr>
+          <p:nvPr>
+            <p:ph type="title"/>
+          </p:nvPr>
+        </p:nvSpPr>
+        <p:spPr/>
+        <p:txBody>
+          <a:bodyPr/>
+          <a:lstStyle/>
+          <a:p>
+            <a:r>
+              <a:rPr lang="en-IN" dirty="0" smtClean="0"/>
+              <a:t>Generator</a:t>
+            </a:r>
+            <a:endParaRPr lang="en-IN" dirty="0"/>
+          </a:p>
+        </p:txBody>
+      </p:sp>
+      <p:sp>
+        <p:nvSpPr>
+          <p:cNvPr id="3" name="Content Placeholder 2"/>
+          <p:cNvSpPr>
+            <a:spLocks noGrp="1"/>
+          </p:cNvSpPr>
+          <p:nvPr>
+            <p:ph idx="1"/>
+          </p:nvPr>
+        </p:nvSpPr>
+        <p:spPr/>
+        <p:txBody>
+          <a:bodyPr/>
+          <a:lstStyle/>
+          <a:p>
+            <a:r>
+              <a:rPr lang="en-IN" dirty="0" smtClean="0"/>
+              <a:t>Generate images</a:t>
+            </a:r>
+          </a:p>
+          <a:p>
+            <a:r>
+              <a:rPr lang="en-IN" dirty="0" smtClean="0"/>
+              <a:t>Input</a:t>
+            </a:r>
+          </a:p>
+          <a:p>
+            <a:pPr lvl="1"/>
+            <a:r>
+              <a:rPr lang="en-IN" dirty="0" smtClean="0"/>
+              <a:t>Noise - Latent space</a:t>
+            </a:r>
+          </a:p>
+          <a:p>
+            <a:pPr lvl="1"/>
+            <a:r>
+              <a:rPr lang="en-IN" dirty="0" smtClean="0"/>
+              <a:t>Image class</a:t>
+            </a:r>
+          </a:p>
+          <a:p>
+            <a:r>
+              <a:rPr lang="en-IN" dirty="0" smtClean="0"/>
+              <a:t>Output</a:t>
+            </a:r>
+          </a:p>
+          <a:p>
+            <a:pPr lvl="1"/>
+            <a:r>
+              <a:rPr lang="en-IN" dirty="0" smtClean="0"/>
+              <a:t>Features</a:t>
+            </a:r>
+          </a:p>
+          <a:p>
+            <a:pPr lvl="1"/>
+            <a:r>
+              <a:rPr lang="en-IN" dirty="0" smtClean="0"/>
+              <a:t>Image</a:t>
+            </a:r>
+          </a:p>
+          <a:p>
+            <a:r>
+              <a:rPr lang="en-IN" dirty="0" smtClean="0"/>
+              <a:t>Decoder </a:t>
+            </a:r>
+            <a:r>
+              <a:rPr lang="en-IN" dirty="0" smtClean="0"/>
+              <a:t>– Auto Encoder</a:t>
+            </a:r>
+            <a:endParaRPr lang="en-IN" dirty="0"/>
+          </a:p>
+        </p:txBody>
+      </p:sp>
+    </p:spTree>
+  </p:cSld>
+  <p:clrMapOvr>
+    <a:masterClrMapping/>
+  </p:clrMapOvr>
+  <p:timing>
+    <p:tnLst>
+      <p:par>
+        <p:cTn id="1" dur="indefinite" restart="never" nodeType="tmRoot"/>
+      </p:par>
+    </p:tnLst>
+  </p:timing>
 </p:sld>
 </file>
 

--- a/Presentations/GenerativeAdversarialNetwork.pptx
+++ b/Presentations/GenerativeAdversarialNetwork.pptx
@@ -126,7 +126,7 @@
   </p:defaultTextStyle>
   <p:extLst>
     <p:ext uri="{EFAFB233-063F-42B5-8137-9DF3F51BA10A}">
-      <p15:sldGuideLst xmlns:p15="http://schemas.microsoft.com/office/powerpoint/2012/main" xmlns="">
+      <p15:sldGuideLst xmlns:p15="http://schemas.microsoft.com/office/powerpoint/2012/main">
         <p15:guide id="1" orient="horz" pos="2160">
           <p15:clr>
             <a:srgbClr val="A4A3A4"/>
@@ -226,7 +226,7 @@
             <a:fld id="{98BFDCCA-FFB9-49F6-B56E-F6432283D67C}" type="datetimeFigureOut">
               <a:rPr lang="en-US" smtClean="0"/>
               <a:pPr/>
-              <a:t>3/21/2024</a:t>
+              <a:t>3/19/2025</a:t>
             </a:fld>
             <a:endParaRPr lang="en-US"/>
           </a:p>
@@ -671,7 +671,7 @@
             <a:fld id="{9099FEDA-6AC3-495C-A467-2B0399D71BB7}" type="datetimeFigureOut">
               <a:rPr lang="en-US" smtClean="0"/>
               <a:pPr/>
-              <a:t>3/21/2024</a:t>
+              <a:t>3/19/2025</a:t>
             </a:fld>
             <a:endParaRPr lang="en-US"/>
           </a:p>
@@ -836,7 +836,7 @@
             <a:fld id="{9099FEDA-6AC3-495C-A467-2B0399D71BB7}" type="datetimeFigureOut">
               <a:rPr lang="en-US" smtClean="0"/>
               <a:pPr/>
-              <a:t>3/21/2024</a:t>
+              <a:t>3/19/2025</a:t>
             </a:fld>
             <a:endParaRPr lang="en-US"/>
           </a:p>
@@ -1011,7 +1011,7 @@
             <a:fld id="{9099FEDA-6AC3-495C-A467-2B0399D71BB7}" type="datetimeFigureOut">
               <a:rPr lang="en-US" smtClean="0"/>
               <a:pPr/>
-              <a:t>3/21/2024</a:t>
+              <a:t>3/19/2025</a:t>
             </a:fld>
             <a:endParaRPr lang="en-US"/>
           </a:p>
@@ -1176,7 +1176,7 @@
             <a:fld id="{9099FEDA-6AC3-495C-A467-2B0399D71BB7}" type="datetimeFigureOut">
               <a:rPr lang="en-US" smtClean="0"/>
               <a:pPr/>
-              <a:t>3/21/2024</a:t>
+              <a:t>3/19/2025</a:t>
             </a:fld>
             <a:endParaRPr lang="en-US"/>
           </a:p>
@@ -1418,7 +1418,7 @@
             <a:fld id="{9099FEDA-6AC3-495C-A467-2B0399D71BB7}" type="datetimeFigureOut">
               <a:rPr lang="en-US" smtClean="0"/>
               <a:pPr/>
-              <a:t>3/21/2024</a:t>
+              <a:t>3/19/2025</a:t>
             </a:fld>
             <a:endParaRPr lang="en-US"/>
           </a:p>
@@ -1700,7 +1700,7 @@
             <a:fld id="{9099FEDA-6AC3-495C-A467-2B0399D71BB7}" type="datetimeFigureOut">
               <a:rPr lang="en-US" smtClean="0"/>
               <a:pPr/>
-              <a:t>3/21/2024</a:t>
+              <a:t>3/19/2025</a:t>
             </a:fld>
             <a:endParaRPr lang="en-US"/>
           </a:p>
@@ -2116,7 +2116,7 @@
             <a:fld id="{9099FEDA-6AC3-495C-A467-2B0399D71BB7}" type="datetimeFigureOut">
               <a:rPr lang="en-US" smtClean="0"/>
               <a:pPr/>
-              <a:t>3/21/2024</a:t>
+              <a:t>3/19/2025</a:t>
             </a:fld>
             <a:endParaRPr lang="en-US"/>
           </a:p>
@@ -2230,7 +2230,7 @@
             <a:fld id="{9099FEDA-6AC3-495C-A467-2B0399D71BB7}" type="datetimeFigureOut">
               <a:rPr lang="en-US" smtClean="0"/>
               <a:pPr/>
-              <a:t>3/21/2024</a:t>
+              <a:t>3/19/2025</a:t>
             </a:fld>
             <a:endParaRPr lang="en-US"/>
           </a:p>
@@ -2322,7 +2322,7 @@
             <a:fld id="{9099FEDA-6AC3-495C-A467-2B0399D71BB7}" type="datetimeFigureOut">
               <a:rPr lang="en-US" smtClean="0"/>
               <a:pPr/>
-              <a:t>3/21/2024</a:t>
+              <a:t>3/19/2025</a:t>
             </a:fld>
             <a:endParaRPr lang="en-US"/>
           </a:p>
@@ -2594,7 +2594,7 @@
             <a:fld id="{9099FEDA-6AC3-495C-A467-2B0399D71BB7}" type="datetimeFigureOut">
               <a:rPr lang="en-US" smtClean="0"/>
               <a:pPr/>
-              <a:t>3/21/2024</a:t>
+              <a:t>3/19/2025</a:t>
             </a:fld>
             <a:endParaRPr lang="en-US"/>
           </a:p>
@@ -2843,7 +2843,7 @@
             <a:fld id="{9099FEDA-6AC3-495C-A467-2B0399D71BB7}" type="datetimeFigureOut">
               <a:rPr lang="en-US" smtClean="0"/>
               <a:pPr/>
-              <a:t>3/21/2024</a:t>
+              <a:t>3/19/2025</a:t>
             </a:fld>
             <a:endParaRPr lang="en-US"/>
           </a:p>
@@ -3051,7 +3051,7 @@
             <a:fld id="{9099FEDA-6AC3-495C-A467-2B0399D71BB7}" type="datetimeFigureOut">
               <a:rPr lang="en-US" smtClean="0"/>
               <a:pPr/>
-              <a:t>3/21/2024</a:t>
+              <a:t>3/19/2025</a:t>
             </a:fld>
             <a:endParaRPr lang="en-US"/>
           </a:p>
@@ -3439,13 +3439,8 @@
           <a:p>
             <a:r>
               <a:rPr lang="en-US" dirty="0"/>
-              <a:t>Generative Adversarial </a:t>
-            </a:r>
-            <a:r>
-              <a:rPr lang="en-US" dirty="0" smtClean="0"/>
-              <a:t>Networks</a:t>
-            </a:r>
-            <a:endParaRPr lang="en-US" dirty="0"/>
+              <a:t>Generative Adversarial Networks</a:t>
+            </a:r>
           </a:p>
         </p:txBody>
       </p:sp>
@@ -3472,24 +3467,20 @@
           <a:lstStyle/>
           <a:p>
             <a:r>
-              <a:rPr lang="en-US" dirty="0" smtClean="0"/>
+              <a:rPr lang="en-US" dirty="0"/>
               <a:t>Pritam Prakash Shete</a:t>
             </a:r>
           </a:p>
           <a:p>
             <a:r>
-              <a:rPr lang="en-US" dirty="0" smtClean="0"/>
+              <a:rPr lang="en-US" dirty="0"/>
               <a:t>Computer Division, BARC </a:t>
             </a:r>
           </a:p>
           <a:p>
             <a:r>
-              <a:rPr lang="en-IN" dirty="0" smtClean="0"/>
-              <a:t>Centre for Excellence in Basic </a:t>
-            </a:r>
-            <a:r>
-              <a:rPr lang="en-IN" dirty="0" smtClean="0"/>
-              <a:t>Sciences</a:t>
+              <a:rPr lang="en-IN" dirty="0"/>
+              <a:t>Centre for Excellence in Basic Sciences</a:t>
             </a:r>
             <a:endParaRPr lang="en-US" dirty="0"/>
           </a:p>
@@ -3500,13 +3491,6 @@
   <p:clrMapOvr>
     <a:masterClrMapping/>
   </p:clrMapOvr>
-  <p:timing>
-    <p:tnLst>
-      <p:par>
-        <p:cTn id="1" dur="indefinite" restart="never" nodeType="tmRoot"/>
-      </p:par>
-    </p:tnLst>
-  </p:timing>
 </p:sld>
 </file>
 
@@ -3543,10 +3527,9 @@
           <a:lstStyle/>
           <a:p>
             <a:r>
-              <a:rPr lang="en-IN" dirty="0" smtClean="0"/>
+              <a:rPr lang="en-IN" dirty="0"/>
               <a:t>Discriminator</a:t>
             </a:r>
-            <a:endParaRPr lang="en-IN" dirty="0"/>
           </a:p>
         </p:txBody>
       </p:sp>
@@ -3566,34 +3549,33 @@
           <a:lstStyle/>
           <a:p>
             <a:r>
-              <a:rPr lang="en-IN" dirty="0" smtClean="0"/>
+              <a:rPr lang="en-IN" dirty="0"/>
               <a:t>Discriminative model</a:t>
             </a:r>
           </a:p>
           <a:p>
             <a:r>
-              <a:rPr lang="en-IN" dirty="0" smtClean="0"/>
+              <a:rPr lang="en-IN" dirty="0"/>
               <a:t>Classifier</a:t>
             </a:r>
           </a:p>
           <a:p>
             <a:r>
-              <a:rPr lang="en-IN" dirty="0" smtClean="0"/>
+              <a:rPr lang="en-IN" dirty="0"/>
               <a:t>Real image v/s Fake image</a:t>
             </a:r>
           </a:p>
           <a:p>
             <a:r>
-              <a:rPr lang="en-IN" dirty="0" smtClean="0"/>
+              <a:rPr lang="en-IN" dirty="0"/>
               <a:t>Classify as either real or fake</a:t>
             </a:r>
           </a:p>
           <a:p>
             <a:r>
-              <a:rPr lang="en-IN" dirty="0" smtClean="0"/>
+              <a:rPr lang="en-IN" dirty="0"/>
               <a:t>Binary classifier</a:t>
             </a:r>
-            <a:endParaRPr lang="en-IN" dirty="0"/>
           </a:p>
         </p:txBody>
       </p:sp>
@@ -3602,13 +3584,6 @@
   <p:clrMapOvr>
     <a:masterClrMapping/>
   </p:clrMapOvr>
-  <p:timing>
-    <p:tnLst>
-      <p:par>
-        <p:cTn id="1" dur="indefinite" restart="never" nodeType="tmRoot"/>
-      </p:par>
-    </p:tnLst>
-  </p:timing>
 </p:sld>
 </file>
 
@@ -3645,14 +3620,9 @@
           <a:lstStyle/>
           <a:p>
             <a:r>
-              <a:rPr lang="en-IN" dirty="0" smtClean="0"/>
-              <a:t>Generator v/s </a:t>
-            </a:r>
-            <a:r>
-              <a:rPr lang="en-IN" dirty="0" smtClean="0"/>
-              <a:t>Discriminator</a:t>
-            </a:r>
-            <a:endParaRPr lang="en-IN" dirty="0"/>
+              <a:rPr lang="en-IN" dirty="0"/>
+              <a:t>Generator v/s Discriminator</a:t>
+            </a:r>
           </a:p>
         </p:txBody>
       </p:sp>
@@ -3674,89 +3644,75 @@
           <a:lstStyle/>
           <a:p>
             <a:r>
-              <a:rPr lang="en-IN" dirty="0" smtClean="0"/>
+              <a:rPr lang="en-IN" dirty="0"/>
               <a:t>Generator</a:t>
             </a:r>
           </a:p>
           <a:p>
             <a:pPr lvl="1"/>
             <a:r>
-              <a:rPr lang="en-IN" dirty="0" smtClean="0"/>
-              <a:t>Generate </a:t>
-            </a:r>
-            <a:r>
-              <a:rPr lang="en-IN" dirty="0" smtClean="0"/>
-              <a:t>fake image</a:t>
+              <a:rPr lang="en-IN" dirty="0"/>
+              <a:t>Generate fake image</a:t>
             </a:r>
           </a:p>
           <a:p>
             <a:pPr lvl="1"/>
             <a:r>
-              <a:rPr lang="en-IN" dirty="0" smtClean="0"/>
+              <a:rPr lang="en-IN" dirty="0"/>
               <a:t>Generate realistic image</a:t>
             </a:r>
           </a:p>
           <a:p>
             <a:pPr lvl="1"/>
             <a:r>
-              <a:rPr lang="en-IN" dirty="0" smtClean="0"/>
+              <a:rPr lang="en-IN" dirty="0"/>
               <a:t>Generate realistic fake image</a:t>
             </a:r>
           </a:p>
           <a:p>
             <a:r>
-              <a:rPr lang="en-IN" dirty="0" smtClean="0"/>
+              <a:rPr lang="en-IN" dirty="0"/>
               <a:t>Discriminator</a:t>
             </a:r>
-            <a:endParaRPr lang="en-IN" dirty="0" smtClean="0"/>
           </a:p>
           <a:p>
             <a:pPr lvl="1"/>
             <a:r>
-              <a:rPr lang="en-IN" dirty="0" smtClean="0"/>
+              <a:rPr lang="en-IN" dirty="0"/>
               <a:t>Classify image as real or fake image</a:t>
             </a:r>
           </a:p>
           <a:p>
             <a:pPr lvl="1"/>
             <a:r>
-              <a:rPr lang="en-IN" dirty="0" smtClean="0"/>
-              <a:t>Discriminate </a:t>
-            </a:r>
-            <a:r>
-              <a:rPr lang="en-IN" dirty="0" smtClean="0"/>
-              <a:t>real and fake image</a:t>
+              <a:rPr lang="en-IN" dirty="0"/>
+              <a:t>Discriminate real and fake image</a:t>
             </a:r>
           </a:p>
           <a:p>
             <a:pPr lvl="1"/>
             <a:r>
-              <a:rPr lang="en-IN" dirty="0" smtClean="0"/>
-              <a:t>Detect face images generated by Generator</a:t>
-            </a:r>
-          </a:p>
-          <a:p>
-            <a:r>
-              <a:rPr lang="en-IN" dirty="0" smtClean="0"/>
+              <a:rPr lang="en-IN" dirty="0"/>
+              <a:t>Detect fake images generated by Generator</a:t>
+            </a:r>
+          </a:p>
+          <a:p>
+            <a:r>
+              <a:rPr lang="en-IN" dirty="0"/>
               <a:t>Compete with each other</a:t>
             </a:r>
           </a:p>
           <a:p>
             <a:r>
-              <a:rPr lang="en-IN" dirty="0" smtClean="0"/>
+              <a:rPr lang="en-IN" dirty="0"/>
               <a:t>Adversarial</a:t>
             </a:r>
           </a:p>
           <a:p>
             <a:r>
-              <a:rPr lang="en-IN" dirty="0" smtClean="0"/>
-              <a:t>Generative Adversarial </a:t>
-            </a:r>
-            <a:r>
-              <a:rPr lang="en-IN" dirty="0" smtClean="0"/>
-              <a:t>Networks</a:t>
-            </a:r>
-            <a:endParaRPr lang="en-IN" dirty="0"/>
+              <a:rPr lang="en-IN" dirty="0"/>
+              <a:t>Generative Adversarial Networks</a:t>
+            </a:r>
           </a:p>
         </p:txBody>
       </p:sp>
@@ -3765,13 +3721,6 @@
   <p:clrMapOvr>
     <a:masterClrMapping/>
   </p:clrMapOvr>
-  <p:timing>
-    <p:tnLst>
-      <p:par>
-        <p:cTn id="1" dur="indefinite" restart="never" nodeType="tmRoot"/>
-      </p:par>
-    </p:tnLst>
-  </p:timing>
 </p:sld>
 </file>
 
@@ -3808,10 +3757,9 @@
           <a:lstStyle/>
           <a:p>
             <a:r>
-              <a:rPr lang="en-IN" dirty="0" smtClean="0"/>
+              <a:rPr lang="en-IN" dirty="0"/>
               <a:t>Applications</a:t>
             </a:r>
-            <a:endParaRPr lang="en-IN" dirty="0"/>
           </a:p>
         </p:txBody>
       </p:sp>
@@ -3831,47 +3779,38 @@
           <a:lstStyle/>
           <a:p>
             <a:r>
-              <a:rPr lang="en-IN" dirty="0" smtClean="0"/>
+              <a:rPr lang="en-IN" dirty="0"/>
               <a:t>Generate human faces</a:t>
             </a:r>
           </a:p>
           <a:p>
             <a:pPr lvl="1"/>
             <a:r>
-              <a:rPr lang="en-IN" dirty="0" smtClean="0"/>
+              <a:rPr lang="en-IN" dirty="0"/>
               <a:t>Low resolution images to high resolution images</a:t>
             </a:r>
           </a:p>
           <a:p>
             <a:r>
-              <a:rPr lang="en-IN" dirty="0" smtClean="0"/>
+              <a:rPr lang="en-IN" dirty="0"/>
               <a:t>Generate realistic images</a:t>
             </a:r>
           </a:p>
           <a:p>
             <a:r>
-              <a:rPr lang="en-IN" dirty="0" smtClean="0"/>
-              <a:t>Generate realistic </a:t>
-            </a:r>
-            <a:r>
-              <a:rPr lang="en-IN" dirty="0" smtClean="0"/>
-              <a:t>animations</a:t>
-            </a:r>
-          </a:p>
-          <a:p>
-            <a:r>
-              <a:rPr lang="en-IN" dirty="0" err="1" smtClean="0"/>
+              <a:rPr lang="en-IN" dirty="0"/>
+              <a:t>Generate realistic animations</a:t>
+            </a:r>
+          </a:p>
+          <a:p>
+            <a:r>
+              <a:rPr lang="en-IN" dirty="0" err="1"/>
               <a:t>StyleGAN</a:t>
             </a:r>
             <a:r>
-              <a:rPr lang="en-IN" dirty="0" smtClean="0"/>
-              <a:t> </a:t>
-            </a:r>
-            <a:r>
-              <a:rPr lang="en-IN" dirty="0" smtClean="0"/>
-              <a:t>models </a:t>
-            </a:r>
-            <a:endParaRPr lang="en-IN" dirty="0" smtClean="0"/>
+              <a:rPr lang="en-IN" dirty="0"/>
+              <a:t> models </a:t>
+            </a:r>
           </a:p>
           <a:p>
             <a:endParaRPr lang="en-IN" dirty="0"/>
@@ -3919,65 +3858,64 @@
           <a:lstStyle/>
           <a:p>
             <a:r>
-              <a:rPr lang="en-IN" dirty="0" smtClean="0"/>
+              <a:rPr lang="en-IN" dirty="0"/>
               <a:t>Applications</a:t>
             </a:r>
+          </a:p>
+        </p:txBody>
+      </p:sp>
+      <p:sp>
+        <p:nvSpPr>
+          <p:cNvPr id="3" name="Content Placeholder 2"/>
+          <p:cNvSpPr>
+            <a:spLocks noGrp="1"/>
+          </p:cNvSpPr>
+          <p:nvPr>
+            <p:ph idx="1"/>
+          </p:nvPr>
+        </p:nvSpPr>
+        <p:spPr/>
+        <p:txBody>
+          <a:bodyPr/>
+          <a:lstStyle/>
+          <a:p>
+            <a:r>
+              <a:rPr lang="en-IN" dirty="0"/>
+              <a:t>Image translation</a:t>
+            </a:r>
+          </a:p>
+          <a:p>
+            <a:pPr lvl="1"/>
+            <a:r>
+              <a:rPr lang="en-IN" dirty="0"/>
+              <a:t>Transform images from one domain to another</a:t>
+            </a:r>
+          </a:p>
+          <a:p>
+            <a:pPr lvl="1"/>
+            <a:r>
+              <a:rPr lang="en-IN" dirty="0"/>
+              <a:t>Horse to Zebra</a:t>
+            </a:r>
+          </a:p>
+          <a:p>
+            <a:pPr lvl="1"/>
+            <a:r>
+              <a:rPr lang="en-IN" dirty="0" err="1"/>
+              <a:t>CycleGAN</a:t>
+            </a:r>
+            <a:r>
+              <a:rPr lang="en-IN" dirty="0"/>
+              <a:t> models</a:t>
+            </a:r>
+          </a:p>
+          <a:p>
+            <a:pPr lvl="1"/>
             <a:endParaRPr lang="en-IN" dirty="0"/>
           </a:p>
-        </p:txBody>
-      </p:sp>
-      <p:sp>
-        <p:nvSpPr>
-          <p:cNvPr id="3" name="Content Placeholder 2"/>
-          <p:cNvSpPr>
-            <a:spLocks noGrp="1"/>
-          </p:cNvSpPr>
-          <p:nvPr>
-            <p:ph idx="1"/>
-          </p:nvPr>
-        </p:nvSpPr>
-        <p:spPr/>
-        <p:txBody>
-          <a:bodyPr/>
-          <a:lstStyle/>
-          <a:p>
-            <a:r>
-              <a:rPr lang="en-IN" dirty="0" smtClean="0"/>
-              <a:t>Image translation</a:t>
-            </a:r>
-          </a:p>
           <a:p>
             <a:pPr lvl="1"/>
-            <a:r>
-              <a:rPr lang="en-IN" dirty="0" smtClean="0"/>
-              <a:t>Transform images from one domain to another</a:t>
-            </a:r>
-          </a:p>
-          <a:p>
-            <a:pPr lvl="1"/>
-            <a:r>
-              <a:rPr lang="en-IN" dirty="0" smtClean="0"/>
-              <a:t>Horse to Zebra</a:t>
-            </a:r>
-          </a:p>
-          <a:p>
-            <a:pPr lvl="1"/>
-            <a:r>
-              <a:rPr lang="en-IN" dirty="0" err="1" smtClean="0"/>
-              <a:t>CycleGAN</a:t>
-            </a:r>
-            <a:r>
-              <a:rPr lang="en-IN" dirty="0" smtClean="0"/>
-              <a:t> models</a:t>
-            </a:r>
-          </a:p>
-          <a:p>
-            <a:pPr lvl="1"/>
-            <a:endParaRPr lang="en-IN" dirty="0" smtClean="0"/>
-          </a:p>
-          <a:p>
-            <a:pPr lvl="1"/>
-            <a:endParaRPr lang="en-IN" dirty="0" smtClean="0"/>
+            <a:endParaRPr lang="en-IN" dirty="0"/>
           </a:p>
           <a:p>
             <a:endParaRPr lang="en-IN" dirty="0"/>
@@ -4025,52 +3963,51 @@
           <a:lstStyle/>
           <a:p>
             <a:r>
-              <a:rPr lang="en-IN" dirty="0" smtClean="0"/>
+              <a:rPr lang="en-IN" dirty="0"/>
               <a:t>Applications</a:t>
             </a:r>
+          </a:p>
+        </p:txBody>
+      </p:sp>
+      <p:sp>
+        <p:nvSpPr>
+          <p:cNvPr id="3" name="Content Placeholder 2"/>
+          <p:cNvSpPr>
+            <a:spLocks noGrp="1"/>
+          </p:cNvSpPr>
+          <p:nvPr>
+            <p:ph idx="1"/>
+          </p:nvPr>
+        </p:nvSpPr>
+        <p:spPr/>
+        <p:txBody>
+          <a:bodyPr/>
+          <a:lstStyle/>
+          <a:p>
+            <a:r>
+              <a:rPr lang="en-IN" dirty="0"/>
+              <a:t>Data augmentation </a:t>
+            </a:r>
+          </a:p>
+          <a:p>
+            <a:r>
+              <a:rPr lang="en-IN" dirty="0"/>
+              <a:t>Synthetic dataset generation</a:t>
+            </a:r>
+          </a:p>
+          <a:p>
+            <a:r>
+              <a:rPr lang="en-IN" dirty="0"/>
+              <a:t>Generate super resolution images</a:t>
+            </a:r>
+          </a:p>
+          <a:p>
+            <a:pPr lvl="1"/>
             <a:endParaRPr lang="en-IN" dirty="0"/>
           </a:p>
-        </p:txBody>
-      </p:sp>
-      <p:sp>
-        <p:nvSpPr>
-          <p:cNvPr id="3" name="Content Placeholder 2"/>
-          <p:cNvSpPr>
-            <a:spLocks noGrp="1"/>
-          </p:cNvSpPr>
-          <p:nvPr>
-            <p:ph idx="1"/>
-          </p:nvPr>
-        </p:nvSpPr>
-        <p:spPr/>
-        <p:txBody>
-          <a:bodyPr/>
-          <a:lstStyle/>
-          <a:p>
-            <a:r>
-              <a:rPr lang="en-IN" dirty="0" smtClean="0"/>
-              <a:t>Data augmentation </a:t>
-            </a:r>
-          </a:p>
-          <a:p>
-            <a:r>
-              <a:rPr lang="en-IN" dirty="0" smtClean="0"/>
-              <a:t>Synthetic dataset generation</a:t>
-            </a:r>
-          </a:p>
-          <a:p>
-            <a:r>
-              <a:rPr lang="en-IN" dirty="0" smtClean="0"/>
-              <a:t>Generate super resolution images</a:t>
-            </a:r>
-          </a:p>
           <a:p>
             <a:pPr lvl="1"/>
-            <a:endParaRPr lang="en-IN" dirty="0" smtClean="0"/>
-          </a:p>
-          <a:p>
-            <a:pPr lvl="1"/>
-            <a:endParaRPr lang="en-IN" dirty="0" smtClean="0"/>
+            <a:endParaRPr lang="en-IN" dirty="0"/>
           </a:p>
           <a:p>
             <a:endParaRPr lang="en-IN" dirty="0"/>
@@ -4118,58 +4055,52 @@
           <a:lstStyle/>
           <a:p>
             <a:r>
-              <a:rPr lang="en-IN" dirty="0" smtClean="0"/>
+              <a:rPr lang="en-IN" dirty="0"/>
               <a:t>Generator</a:t>
             </a:r>
+          </a:p>
+        </p:txBody>
+      </p:sp>
+      <p:sp>
+        <p:nvSpPr>
+          <p:cNvPr id="3" name="Content Placeholder 2"/>
+          <p:cNvSpPr>
+            <a:spLocks noGrp="1"/>
+          </p:cNvSpPr>
+          <p:nvPr>
+            <p:ph idx="1"/>
+          </p:nvPr>
+        </p:nvSpPr>
+        <p:spPr/>
+        <p:txBody>
+          <a:bodyPr/>
+          <a:lstStyle/>
+          <a:p>
+            <a:r>
+              <a:rPr lang="en-IN" dirty="0"/>
+              <a:t>Generate fake images</a:t>
+            </a:r>
+          </a:p>
+          <a:p>
+            <a:r>
+              <a:rPr lang="en-IN" dirty="0"/>
+              <a:t>Goal is to fool Discriminator</a:t>
+            </a:r>
+          </a:p>
+          <a:p>
+            <a:r>
+              <a:rPr lang="en-IN" dirty="0"/>
+              <a:t>No access to real images</a:t>
+            </a:r>
+          </a:p>
+          <a:p>
+            <a:r>
+              <a:rPr lang="en-IN" dirty="0"/>
+              <a:t>Compete with Discriminator </a:t>
+            </a:r>
+          </a:p>
+          <a:p>
             <a:endParaRPr lang="en-IN" dirty="0"/>
-          </a:p>
-        </p:txBody>
-      </p:sp>
-      <p:sp>
-        <p:nvSpPr>
-          <p:cNvPr id="3" name="Content Placeholder 2"/>
-          <p:cNvSpPr>
-            <a:spLocks noGrp="1"/>
-          </p:cNvSpPr>
-          <p:nvPr>
-            <p:ph idx="1"/>
-          </p:nvPr>
-        </p:nvSpPr>
-        <p:spPr/>
-        <p:txBody>
-          <a:bodyPr/>
-          <a:lstStyle/>
-          <a:p>
-            <a:r>
-              <a:rPr lang="en-IN" dirty="0" smtClean="0"/>
-              <a:t>Generate fake images</a:t>
-            </a:r>
-          </a:p>
-          <a:p>
-            <a:r>
-              <a:rPr lang="en-IN" dirty="0" smtClean="0"/>
-              <a:t>Goal is to fool </a:t>
-            </a:r>
-            <a:r>
-              <a:rPr lang="en-IN" dirty="0" smtClean="0"/>
-              <a:t>Discriminator</a:t>
-            </a:r>
-            <a:endParaRPr lang="en-IN" dirty="0" smtClean="0"/>
-          </a:p>
-          <a:p>
-            <a:r>
-              <a:rPr lang="en-IN" dirty="0" smtClean="0"/>
-              <a:t>No access to real images</a:t>
-            </a:r>
-          </a:p>
-          <a:p>
-            <a:r>
-              <a:rPr lang="en-IN" dirty="0" smtClean="0"/>
-              <a:t>Compete with Discriminator </a:t>
-            </a:r>
-          </a:p>
-          <a:p>
-            <a:endParaRPr lang="en-IN" dirty="0" smtClean="0"/>
           </a:p>
           <a:p>
             <a:endParaRPr lang="en-IN" dirty="0"/>
@@ -4217,73 +4148,60 @@
           <a:lstStyle/>
           <a:p>
             <a:r>
-              <a:rPr lang="en-IN" dirty="0" smtClean="0"/>
+              <a:rPr lang="en-IN" dirty="0"/>
               <a:t>Discriminator</a:t>
             </a:r>
+          </a:p>
+        </p:txBody>
+      </p:sp>
+      <p:sp>
+        <p:nvSpPr>
+          <p:cNvPr id="3" name="Content Placeholder 2"/>
+          <p:cNvSpPr>
+            <a:spLocks noGrp="1"/>
+          </p:cNvSpPr>
+          <p:nvPr>
+            <p:ph idx="1"/>
+          </p:nvPr>
+        </p:nvSpPr>
+        <p:spPr/>
+        <p:txBody>
+          <a:bodyPr/>
+          <a:lstStyle/>
+          <a:p>
+            <a:r>
+              <a:rPr lang="en-IN" dirty="0"/>
+              <a:t>Check image – Real or fake</a:t>
+            </a:r>
+          </a:p>
+          <a:p>
+            <a:r>
+              <a:rPr lang="en-IN" dirty="0"/>
+              <a:t>Goal is to distinguish between real and fake</a:t>
+            </a:r>
+          </a:p>
+          <a:p>
+            <a:r>
+              <a:rPr lang="en-IN" dirty="0"/>
+              <a:t>Access to real and fake images</a:t>
+            </a:r>
+          </a:p>
+          <a:p>
+            <a:r>
+              <a:rPr lang="en-IN" dirty="0"/>
+              <a:t>Compete </a:t>
+            </a:r>
+            <a:r>
+              <a:rPr lang="en-IN"/>
+              <a:t>with Generator</a:t>
+            </a:r>
             <a:endParaRPr lang="en-IN" dirty="0"/>
           </a:p>
-        </p:txBody>
-      </p:sp>
-      <p:sp>
-        <p:nvSpPr>
-          <p:cNvPr id="3" name="Content Placeholder 2"/>
-          <p:cNvSpPr>
-            <a:spLocks noGrp="1"/>
-          </p:cNvSpPr>
-          <p:nvPr>
-            <p:ph idx="1"/>
-          </p:nvPr>
-        </p:nvSpPr>
-        <p:spPr/>
-        <p:txBody>
-          <a:bodyPr/>
-          <a:lstStyle/>
-          <a:p>
-            <a:r>
-              <a:rPr lang="en-IN" dirty="0" smtClean="0"/>
-              <a:t>Check image – Real or fake</a:t>
-            </a:r>
-          </a:p>
-          <a:p>
-            <a:r>
-              <a:rPr lang="en-IN" dirty="0" smtClean="0"/>
-              <a:t>Goal is to distinguish between real and fake</a:t>
-            </a:r>
-          </a:p>
-          <a:p>
-            <a:r>
-              <a:rPr lang="en-IN" dirty="0" smtClean="0"/>
-              <a:t>Access </a:t>
-            </a:r>
-            <a:r>
-              <a:rPr lang="en-IN" dirty="0" smtClean="0"/>
-              <a:t>to real </a:t>
-            </a:r>
-            <a:r>
-              <a:rPr lang="en-IN" dirty="0" smtClean="0"/>
-              <a:t>and fake images</a:t>
-            </a:r>
-          </a:p>
-          <a:p>
-            <a:r>
-              <a:rPr lang="en-IN" dirty="0" smtClean="0"/>
-              <a:t>Compete </a:t>
-            </a:r>
-            <a:r>
-              <a:rPr lang="en-IN" smtClean="0"/>
-              <a:t>with </a:t>
-            </a:r>
-            <a:r>
-              <a:rPr lang="en-IN" smtClean="0"/>
-              <a:t>Generator</a:t>
-            </a:r>
-            <a:endParaRPr lang="en-IN" dirty="0" smtClean="0"/>
-          </a:p>
-          <a:p>
-            <a:endParaRPr lang="en-IN" dirty="0" smtClean="0"/>
-          </a:p>
-          <a:p>
-            <a:endParaRPr lang="en-IN" dirty="0" smtClean="0"/>
+          <a:p>
+            <a:endParaRPr lang="en-IN" dirty="0"/>
+          </a:p>
+          <a:p>
+            <a:endParaRPr lang="en-IN" dirty="0"/>
           </a:p>
           <a:p>
             <a:endParaRPr lang="en-IN" dirty="0"/>
@@ -4427,13 +4345,6 @@
   <p:clrMapOvr>
     <a:masterClrMapping/>
   </p:clrMapOvr>
-  <p:timing>
-    <p:tnLst>
-      <p:par>
-        <p:cTn id="1" dur="indefinite" restart="never" nodeType="tmRoot"/>
-      </p:par>
-    </p:tnLst>
-  </p:timing>
 </p:sld>
 </file>
 
@@ -4494,61 +4405,41 @@
           <a:lstStyle/>
           <a:p>
             <a:r>
-              <a:rPr lang="en-IN" dirty="0" smtClean="0"/>
-              <a:t>Discriminative </a:t>
-            </a:r>
-            <a:r>
-              <a:rPr lang="en-IN" dirty="0" smtClean="0"/>
-              <a:t>Models</a:t>
-            </a:r>
-          </a:p>
-          <a:p>
-            <a:r>
-              <a:rPr lang="en-IN" dirty="0" smtClean="0"/>
-              <a:t>Generative </a:t>
-            </a:r>
-            <a:r>
-              <a:rPr lang="en-IN" dirty="0" smtClean="0"/>
-              <a:t>Models</a:t>
-            </a:r>
-          </a:p>
-          <a:p>
-            <a:r>
-              <a:rPr lang="en-IN" dirty="0" smtClean="0"/>
-              <a:t>Auto </a:t>
-            </a:r>
-            <a:r>
-              <a:rPr lang="en-IN" dirty="0" smtClean="0"/>
-              <a:t>Encoder</a:t>
-            </a:r>
-          </a:p>
-          <a:p>
-            <a:r>
-              <a:rPr lang="en-IN" dirty="0" err="1" smtClean="0"/>
+              <a:rPr lang="en-IN" dirty="0"/>
+              <a:t>Discriminative Models</a:t>
+            </a:r>
+          </a:p>
+          <a:p>
+            <a:r>
+              <a:rPr lang="en-IN" dirty="0"/>
+              <a:t>Generative Models</a:t>
+            </a:r>
+          </a:p>
+          <a:p>
+            <a:r>
+              <a:rPr lang="en-IN" dirty="0"/>
+              <a:t>Auto Encoder</a:t>
+            </a:r>
+          </a:p>
+          <a:p>
+            <a:r>
+              <a:rPr lang="en-IN" dirty="0" err="1"/>
               <a:t>Variational</a:t>
             </a:r>
             <a:r>
-              <a:rPr lang="en-IN" dirty="0" smtClean="0"/>
-              <a:t> Auto </a:t>
-            </a:r>
-            <a:r>
-              <a:rPr lang="en-IN" dirty="0" smtClean="0"/>
-              <a:t>Encoder</a:t>
-            </a:r>
-          </a:p>
-          <a:p>
-            <a:r>
-              <a:rPr lang="en-IN" dirty="0" smtClean="0"/>
-              <a:t>Generative Adversarial </a:t>
-            </a:r>
-            <a:r>
-              <a:rPr lang="en-IN" dirty="0" smtClean="0"/>
-              <a:t>Networks</a:t>
-            </a:r>
-          </a:p>
-          <a:p>
-            <a:r>
-              <a:rPr lang="en-IN" dirty="0" smtClean="0"/>
+              <a:rPr lang="en-IN" dirty="0"/>
+              <a:t> Auto Encoder</a:t>
+            </a:r>
+          </a:p>
+          <a:p>
+            <a:r>
+              <a:rPr lang="en-IN" dirty="0"/>
+              <a:t>Generative Adversarial Networks</a:t>
+            </a:r>
+          </a:p>
+          <a:p>
+            <a:r>
+              <a:rPr lang="en-IN" dirty="0"/>
               <a:t>Applications</a:t>
             </a:r>
           </a:p>
@@ -4562,13 +4453,6 @@
   <p:clrMapOvr>
     <a:masterClrMapping/>
   </p:clrMapOvr>
-  <p:timing>
-    <p:tnLst>
-      <p:par>
-        <p:cTn id="1" dur="indefinite" restart="never" nodeType="tmRoot"/>
-      </p:par>
-    </p:tnLst>
-  </p:timing>
 </p:sld>
 </file>
 
@@ -4605,10 +4489,9 @@
           <a:lstStyle/>
           <a:p>
             <a:r>
-              <a:rPr lang="en-IN" dirty="0" smtClean="0"/>
+              <a:rPr lang="en-IN" dirty="0"/>
               <a:t>Discriminative Models</a:t>
             </a:r>
-            <a:endParaRPr lang="en-IN" dirty="0"/>
           </a:p>
         </p:txBody>
       </p:sp>
@@ -4628,28 +4511,27 @@
           <a:lstStyle/>
           <a:p>
             <a:r>
-              <a:rPr lang="en-IN" dirty="0" smtClean="0"/>
+              <a:rPr lang="en-IN" dirty="0"/>
               <a:t>Classification models</a:t>
             </a:r>
           </a:p>
           <a:p>
             <a:r>
-              <a:rPr lang="en-IN" dirty="0" smtClean="0"/>
+              <a:rPr lang="en-IN" dirty="0"/>
               <a:t>Deep learning</a:t>
             </a:r>
           </a:p>
           <a:p>
             <a:r>
-              <a:rPr lang="en-IN" dirty="0" smtClean="0"/>
+              <a:rPr lang="en-IN" dirty="0"/>
               <a:t>Classifiers</a:t>
             </a:r>
           </a:p>
           <a:p>
             <a:r>
-              <a:rPr lang="en-IN" dirty="0" smtClean="0"/>
+              <a:rPr lang="en-IN" dirty="0"/>
               <a:t>Input image - Features - Image class</a:t>
             </a:r>
-            <a:endParaRPr lang="en-IN" dirty="0"/>
           </a:p>
         </p:txBody>
       </p:sp>
@@ -4658,13 +4540,6 @@
   <p:clrMapOvr>
     <a:masterClrMapping/>
   </p:clrMapOvr>
-  <p:timing>
-    <p:tnLst>
-      <p:par>
-        <p:cTn id="1" dur="indefinite" restart="never" nodeType="tmRoot"/>
-      </p:par>
-    </p:tnLst>
-  </p:timing>
 </p:sld>
 </file>
 
@@ -4701,10 +4576,9 @@
           <a:lstStyle/>
           <a:p>
             <a:r>
-              <a:rPr lang="en-IN" dirty="0" smtClean="0"/>
+              <a:rPr lang="en-IN" dirty="0"/>
               <a:t>Generative Models</a:t>
             </a:r>
-            <a:endParaRPr lang="en-IN" dirty="0"/>
           </a:p>
         </p:txBody>
       </p:sp>
@@ -4726,70 +4600,69 @@
           <a:lstStyle/>
           <a:p>
             <a:r>
-              <a:rPr lang="en-IN" dirty="0" smtClean="0"/>
+              <a:rPr lang="en-IN" dirty="0"/>
               <a:t>Generate images</a:t>
             </a:r>
           </a:p>
           <a:p>
             <a:r>
-              <a:rPr lang="en-IN" dirty="0" smtClean="0"/>
+              <a:rPr lang="en-IN" dirty="0"/>
               <a:t>Input</a:t>
             </a:r>
           </a:p>
           <a:p>
             <a:pPr lvl="1"/>
             <a:r>
-              <a:rPr lang="en-IN" dirty="0" smtClean="0"/>
+              <a:rPr lang="en-IN" dirty="0"/>
               <a:t>Noise - Latent space</a:t>
             </a:r>
           </a:p>
           <a:p>
             <a:pPr lvl="1"/>
             <a:r>
-              <a:rPr lang="en-IN" dirty="0" smtClean="0"/>
+              <a:rPr lang="en-IN" dirty="0"/>
               <a:t>Image class</a:t>
             </a:r>
           </a:p>
           <a:p>
             <a:r>
-              <a:rPr lang="en-IN" dirty="0" smtClean="0"/>
+              <a:rPr lang="en-IN" dirty="0"/>
               <a:t>Output</a:t>
             </a:r>
           </a:p>
           <a:p>
             <a:pPr lvl="1"/>
             <a:r>
-              <a:rPr lang="en-IN" dirty="0" smtClean="0"/>
+              <a:rPr lang="en-IN" dirty="0"/>
               <a:t>Features</a:t>
             </a:r>
           </a:p>
           <a:p>
             <a:pPr lvl="1"/>
             <a:r>
-              <a:rPr lang="en-IN" dirty="0" smtClean="0"/>
+              <a:rPr lang="en-IN" dirty="0"/>
               <a:t>Image</a:t>
             </a:r>
           </a:p>
           <a:p>
             <a:r>
-              <a:rPr lang="en-IN" dirty="0" smtClean="0"/>
+              <a:rPr lang="en-IN" dirty="0"/>
               <a:t>Noise - Latent space</a:t>
             </a:r>
           </a:p>
           <a:p>
             <a:pPr lvl="1"/>
             <a:r>
-              <a:rPr lang="en-IN" dirty="0" smtClean="0"/>
+              <a:rPr lang="en-IN" dirty="0"/>
               <a:t>Generate different output images</a:t>
             </a:r>
           </a:p>
           <a:p>
             <a:pPr lvl="1"/>
             <a:r>
-              <a:rPr lang="en-IN" dirty="0" smtClean="0"/>
+              <a:rPr lang="en-IN" dirty="0"/>
               <a:t>Generate realistic images</a:t>
             </a:r>
-            <a:endParaRPr lang="en-IN" dirty="0"/>
           </a:p>
         </p:txBody>
       </p:sp>
@@ -4798,13 +4671,6 @@
   <p:clrMapOvr>
     <a:masterClrMapping/>
   </p:clrMapOvr>
-  <p:timing>
-    <p:tnLst>
-      <p:par>
-        <p:cTn id="1" dur="indefinite" restart="never" nodeType="tmRoot"/>
-      </p:par>
-    </p:tnLst>
-  </p:timing>
 </p:sld>
 </file>
 
@@ -4841,10 +4707,9 @@
           <a:lstStyle/>
           <a:p>
             <a:r>
-              <a:rPr lang="en-IN" dirty="0" smtClean="0"/>
+              <a:rPr lang="en-IN" dirty="0"/>
               <a:t>Generative Models Types</a:t>
             </a:r>
-            <a:endParaRPr lang="en-IN" dirty="0"/>
           </a:p>
         </p:txBody>
       </p:sp>
@@ -4864,20 +4729,19 @@
           <a:lstStyle/>
           <a:p>
             <a:r>
-              <a:rPr lang="en-IN" dirty="0" err="1" smtClean="0"/>
+              <a:rPr lang="en-IN" dirty="0" err="1"/>
               <a:t>Variational</a:t>
             </a:r>
             <a:r>
-              <a:rPr lang="en-IN" dirty="0" smtClean="0"/>
+              <a:rPr lang="en-IN" dirty="0"/>
               <a:t> Auto Encoders - VAE</a:t>
             </a:r>
           </a:p>
           <a:p>
             <a:r>
-              <a:rPr lang="en-IN" dirty="0" smtClean="0"/>
+              <a:rPr lang="en-IN" dirty="0"/>
               <a:t>Generative Adversarial Networks - GAN</a:t>
             </a:r>
-            <a:endParaRPr lang="en-IN" dirty="0"/>
           </a:p>
         </p:txBody>
       </p:sp>
@@ -4886,13 +4750,6 @@
   <p:clrMapOvr>
     <a:masterClrMapping/>
   </p:clrMapOvr>
-  <p:timing>
-    <p:tnLst>
-      <p:par>
-        <p:cTn id="1" dur="indefinite" restart="never" nodeType="tmRoot"/>
-      </p:par>
-    </p:tnLst>
-  </p:timing>
 </p:sld>
 </file>
 
@@ -4929,14 +4786,9 @@
           <a:lstStyle/>
           <a:p>
             <a:r>
-              <a:rPr lang="en-IN" dirty="0" smtClean="0"/>
-              <a:t>Auto </a:t>
-            </a:r>
-            <a:r>
-              <a:rPr lang="en-IN" dirty="0" smtClean="0"/>
-              <a:t>Encoder</a:t>
-            </a:r>
-            <a:endParaRPr lang="en-IN" dirty="0"/>
+              <a:rPr lang="en-IN" dirty="0"/>
+              <a:t>Auto Encoder</a:t>
+            </a:r>
           </a:p>
         </p:txBody>
       </p:sp>
@@ -4962,62 +4814,56 @@
               <a:buChar char="•"/>
             </a:pPr>
             <a:r>
-              <a:rPr lang="en-IN" dirty="0" smtClean="0"/>
-              <a:t>Reconstruct original </a:t>
-            </a:r>
-            <a:r>
-              <a:rPr lang="en-IN" dirty="0" smtClean="0"/>
-              <a:t>input</a:t>
-            </a:r>
-          </a:p>
-          <a:p>
-            <a:r>
-              <a:rPr lang="en-IN" dirty="0" smtClean="0"/>
+              <a:rPr lang="en-IN" dirty="0"/>
+              <a:t>Reconstruct original input</a:t>
+            </a:r>
+          </a:p>
+          <a:p>
+            <a:r>
+              <a:rPr lang="en-IN" dirty="0"/>
               <a:t>Encoder</a:t>
             </a:r>
-            <a:endParaRPr lang="en-IN" dirty="0" smtClean="0"/>
           </a:p>
           <a:p>
             <a:pPr lvl="1"/>
             <a:r>
-              <a:rPr lang="en-IN" dirty="0" smtClean="0"/>
+              <a:rPr lang="en-IN" dirty="0"/>
               <a:t>Encode input</a:t>
             </a:r>
           </a:p>
           <a:p>
             <a:pPr lvl="1"/>
             <a:r>
-              <a:rPr lang="en-IN" dirty="0" smtClean="0"/>
+              <a:rPr lang="en-IN" dirty="0"/>
               <a:t>Learn features</a:t>
             </a:r>
           </a:p>
           <a:p>
             <a:pPr lvl="1"/>
             <a:r>
-              <a:rPr lang="en-IN" dirty="0" smtClean="0"/>
+              <a:rPr lang="en-IN" dirty="0"/>
               <a:t>Learn latent space</a:t>
             </a:r>
           </a:p>
           <a:p>
             <a:r>
-              <a:rPr lang="en-IN" dirty="0" smtClean="0"/>
+              <a:rPr lang="en-IN" dirty="0"/>
               <a:t>Decoder</a:t>
             </a:r>
           </a:p>
           <a:p>
             <a:pPr lvl="1"/>
             <a:r>
-              <a:rPr lang="en-IN" dirty="0" smtClean="0"/>
+              <a:rPr lang="en-IN" dirty="0"/>
               <a:t>Decode features / latent space</a:t>
             </a:r>
           </a:p>
           <a:p>
             <a:pPr lvl="1"/>
             <a:r>
-              <a:rPr lang="en-IN" dirty="0" smtClean="0"/>
+              <a:rPr lang="en-IN" dirty="0"/>
               <a:t>Reconstruct original input</a:t>
             </a:r>
-            <a:endParaRPr lang="en-IN" dirty="0"/>
           </a:p>
         </p:txBody>
       </p:sp>
@@ -5026,13 +4872,6 @@
   <p:clrMapOvr>
     <a:masterClrMapping/>
   </p:clrMapOvr>
-  <p:timing>
-    <p:tnLst>
-      <p:par>
-        <p:cTn id="1" dur="indefinite" restart="never" nodeType="tmRoot"/>
-      </p:par>
-    </p:tnLst>
-  </p:timing>
 </p:sld>
 </file>
 
@@ -5069,18 +4908,13 @@
           <a:lstStyle/>
           <a:p>
             <a:r>
-              <a:rPr lang="en-IN" dirty="0" err="1" smtClean="0"/>
+              <a:rPr lang="en-IN" dirty="0" err="1"/>
               <a:t>Variational</a:t>
             </a:r>
             <a:r>
-              <a:rPr lang="en-IN" dirty="0" smtClean="0"/>
-              <a:t> Auto </a:t>
-            </a:r>
-            <a:r>
-              <a:rPr lang="en-IN" dirty="0" smtClean="0"/>
-              <a:t>Encoder</a:t>
-            </a:r>
-            <a:endParaRPr lang="en-IN" dirty="0"/>
+              <a:rPr lang="en-IN" dirty="0"/>
+              <a:t> Auto Encoder</a:t>
+            </a:r>
           </a:p>
         </p:txBody>
       </p:sp>
@@ -5102,77 +4936,69 @@
           <a:lstStyle/>
           <a:p>
             <a:r>
-              <a:rPr lang="en-IN" dirty="0" smtClean="0"/>
+              <a:rPr lang="en-IN" dirty="0"/>
               <a:t>VAE</a:t>
             </a:r>
           </a:p>
           <a:p>
             <a:r>
-              <a:rPr lang="en-IN" dirty="0" smtClean="0"/>
+              <a:rPr lang="en-IN" dirty="0"/>
               <a:t>Encoder</a:t>
             </a:r>
-            <a:endParaRPr lang="en-IN" dirty="0" smtClean="0"/>
           </a:p>
           <a:p>
             <a:pPr lvl="1"/>
             <a:r>
-              <a:rPr lang="en-IN" dirty="0" smtClean="0"/>
+              <a:rPr lang="en-IN" dirty="0"/>
               <a:t>Encode image onto whole distribution </a:t>
             </a:r>
-            <a:endParaRPr lang="en-IN" dirty="0" smtClean="0"/>
           </a:p>
           <a:p>
             <a:pPr lvl="1"/>
             <a:r>
-              <a:rPr lang="en-IN" dirty="0" smtClean="0"/>
-              <a:t>Mean </a:t>
-            </a:r>
-            <a:r>
-              <a:rPr lang="en-IN" dirty="0" smtClean="0"/>
-              <a:t>&amp; Variance</a:t>
-            </a:r>
-          </a:p>
-          <a:p>
-            <a:r>
-              <a:rPr lang="en-IN" dirty="0" smtClean="0"/>
+              <a:rPr lang="en-IN" dirty="0"/>
+              <a:t>Mean &amp; Variance</a:t>
+            </a:r>
+          </a:p>
+          <a:p>
+            <a:r>
+              <a:rPr lang="en-IN" dirty="0"/>
               <a:t>Decoder</a:t>
             </a:r>
-            <a:endParaRPr lang="en-IN" dirty="0" smtClean="0"/>
           </a:p>
           <a:p>
             <a:pPr lvl="1"/>
             <a:r>
-              <a:rPr lang="en-IN" dirty="0" smtClean="0"/>
+              <a:rPr lang="en-IN" dirty="0"/>
               <a:t>Sample from distribution</a:t>
             </a:r>
           </a:p>
           <a:p>
             <a:pPr lvl="1"/>
             <a:r>
-              <a:rPr lang="en-IN" dirty="0" smtClean="0"/>
+              <a:rPr lang="en-IN" dirty="0"/>
               <a:t>Noise</a:t>
             </a:r>
           </a:p>
           <a:p>
             <a:r>
-              <a:rPr lang="en-IN" dirty="0" smtClean="0"/>
+              <a:rPr lang="en-IN" dirty="0"/>
               <a:t>Add noise</a:t>
             </a:r>
           </a:p>
           <a:p>
             <a:pPr lvl="1"/>
             <a:r>
-              <a:rPr lang="en-IN" dirty="0" smtClean="0"/>
+              <a:rPr lang="en-IN" dirty="0"/>
               <a:t>Generate realistic images</a:t>
             </a:r>
           </a:p>
           <a:p>
             <a:pPr lvl="1"/>
             <a:r>
-              <a:rPr lang="en-IN" dirty="0" smtClean="0"/>
+              <a:rPr lang="en-IN" dirty="0"/>
               <a:t>Generate different images </a:t>
             </a:r>
-            <a:endParaRPr lang="en-IN" dirty="0"/>
           </a:p>
         </p:txBody>
       </p:sp>
@@ -5181,13 +5007,6 @@
   <p:clrMapOvr>
     <a:masterClrMapping/>
   </p:clrMapOvr>
-  <p:timing>
-    <p:tnLst>
-      <p:par>
-        <p:cTn id="1" dur="indefinite" restart="never" nodeType="tmRoot"/>
-      </p:par>
-    </p:tnLst>
-  </p:timing>
 </p:sld>
 </file>
 
@@ -5224,14 +5043,9 @@
           <a:lstStyle/>
           <a:p>
             <a:r>
-              <a:rPr lang="en-IN" dirty="0" smtClean="0"/>
-              <a:t>Generative Adversarial </a:t>
-            </a:r>
-            <a:r>
-              <a:rPr lang="en-IN" dirty="0" smtClean="0"/>
-              <a:t>Networks</a:t>
-            </a:r>
-            <a:endParaRPr lang="en-IN" dirty="0"/>
+              <a:rPr lang="en-IN" dirty="0"/>
+              <a:t>Generative Adversarial Networks</a:t>
+            </a:r>
           </a:p>
         </p:txBody>
       </p:sp>
@@ -5251,22 +5065,21 @@
           <a:lstStyle/>
           <a:p>
             <a:r>
-              <a:rPr lang="en-IN" dirty="0" smtClean="0"/>
+              <a:rPr lang="en-IN" dirty="0"/>
               <a:t>GAN</a:t>
             </a:r>
           </a:p>
           <a:p>
             <a:r>
-              <a:rPr lang="en-IN" dirty="0" smtClean="0"/>
+              <a:rPr lang="en-IN" dirty="0"/>
               <a:t>Generator</a:t>
             </a:r>
           </a:p>
           <a:p>
             <a:r>
-              <a:rPr lang="en-IN" dirty="0" smtClean="0"/>
+              <a:rPr lang="en-IN" dirty="0"/>
               <a:t>Discriminator</a:t>
             </a:r>
-            <a:endParaRPr lang="en-IN" dirty="0"/>
           </a:p>
         </p:txBody>
       </p:sp>
@@ -5275,13 +5088,6 @@
   <p:clrMapOvr>
     <a:masterClrMapping/>
   </p:clrMapOvr>
-  <p:timing>
-    <p:tnLst>
-      <p:par>
-        <p:cTn id="1" dur="indefinite" restart="never" nodeType="tmRoot"/>
-      </p:par>
-    </p:tnLst>
-  </p:timing>
 </p:sld>
 </file>
 
@@ -5318,10 +5124,9 @@
           <a:lstStyle/>
           <a:p>
             <a:r>
-              <a:rPr lang="en-IN" dirty="0" smtClean="0"/>
+              <a:rPr lang="en-IN" dirty="0"/>
               <a:t>Generator</a:t>
             </a:r>
-            <a:endParaRPr lang="en-IN" dirty="0"/>
           </a:p>
         </p:txBody>
       </p:sp>
@@ -5341,60 +5146,55 @@
           <a:lstStyle/>
           <a:p>
             <a:r>
-              <a:rPr lang="en-IN" dirty="0" smtClean="0"/>
+              <a:rPr lang="en-IN" dirty="0"/>
               <a:t>Generate images</a:t>
             </a:r>
           </a:p>
           <a:p>
             <a:r>
-              <a:rPr lang="en-IN" dirty="0" smtClean="0"/>
+              <a:rPr lang="en-IN" dirty="0"/>
               <a:t>Input</a:t>
             </a:r>
           </a:p>
           <a:p>
             <a:pPr lvl="1"/>
             <a:r>
-              <a:rPr lang="en-IN" dirty="0" smtClean="0"/>
+              <a:rPr lang="en-IN" dirty="0"/>
               <a:t>Noise - Latent space</a:t>
             </a:r>
           </a:p>
           <a:p>
             <a:pPr lvl="1"/>
             <a:r>
-              <a:rPr lang="en-IN" dirty="0" smtClean="0"/>
+              <a:rPr lang="en-IN" dirty="0"/>
               <a:t>Image class</a:t>
             </a:r>
           </a:p>
           <a:p>
             <a:r>
-              <a:rPr lang="en-IN" dirty="0" smtClean="0"/>
+              <a:rPr lang="en-IN" dirty="0"/>
               <a:t>Output</a:t>
             </a:r>
           </a:p>
           <a:p>
             <a:pPr lvl="1"/>
             <a:r>
-              <a:rPr lang="en-IN" dirty="0" smtClean="0"/>
+              <a:rPr lang="en-IN" dirty="0"/>
               <a:t>Features</a:t>
             </a:r>
           </a:p>
           <a:p>
             <a:pPr lvl="1"/>
             <a:r>
-              <a:rPr lang="en-IN" dirty="0" smtClean="0"/>
+              <a:rPr lang="en-IN" dirty="0"/>
               <a:t>Image</a:t>
             </a:r>
           </a:p>
           <a:p>
             <a:r>
-              <a:rPr lang="en-IN" dirty="0" smtClean="0"/>
-              <a:t>Decoder </a:t>
-            </a:r>
-            <a:r>
-              <a:rPr lang="en-IN" dirty="0" smtClean="0"/>
-              <a:t>– Auto Encoder</a:t>
-            </a:r>
-            <a:endParaRPr lang="en-IN" dirty="0"/>
+              <a:rPr lang="en-IN" dirty="0"/>
+              <a:t>Decoder – Auto Encoder</a:t>
+            </a:r>
           </a:p>
         </p:txBody>
       </p:sp>
@@ -5403,13 +5203,6 @@
   <p:clrMapOvr>
     <a:masterClrMapping/>
   </p:clrMapOvr>
-  <p:timing>
-    <p:tnLst>
-      <p:par>
-        <p:cTn id="1" dur="indefinite" restart="never" nodeType="tmRoot"/>
-      </p:par>
-    </p:tnLst>
-  </p:timing>
 </p:sld>
 </file>
 
